--- a/artifacts/CNTT_Artifact.pptx
+++ b/artifacts/CNTT_Artifact.pptx
@@ -6,7 +6,7 @@
     <p:sldMasterId id="2147483678" r:id="rId2"/>
   </p:sldMasterIdLst>
   <p:notesMasterIdLst>
-    <p:notesMasterId r:id="rId21"/>
+    <p:notesMasterId r:id="rId18"/>
   </p:notesMasterIdLst>
   <p:sldIdLst>
     <p:sldId id="256" r:id="rId3"/>
@@ -23,10 +23,7 @@
     <p:sldId id="272" r:id="rId14"/>
     <p:sldId id="273" r:id="rId15"/>
     <p:sldId id="274" r:id="rId16"/>
-    <p:sldId id="275" r:id="rId17"/>
-    <p:sldId id="277" r:id="rId18"/>
-    <p:sldId id="280" r:id="rId19"/>
-    <p:sldId id="257" r:id="rId20"/>
+    <p:sldId id="257" r:id="rId17"/>
   </p:sldIdLst>
   <p:sldSz cx="12192000" cy="6858000"/>
   <p:notesSz cx="6858000" cy="9144000"/>
@@ -215,7 +212,7 @@
           <a:p>
             <a:fld id="{F300692A-B8F2-48F6-B218-A4958D7E8758}" type="datetimeFigureOut">
               <a:rPr lang="en-US" smtClean="0"/>
-              <a:t>7/5/2019</a:t>
+              <a:t>6/19/2019</a:t>
             </a:fld>
             <a:endParaRPr lang="en-US"/>
           </a:p>
@@ -566,174 +563,6 @@
 </p:notes>
 </file>
 
-<file path=ppt/notesSlides/notesSlide2.xml><?xml version="1.0" encoding="utf-8"?>
-<p:notes xmlns:a="http://schemas.openxmlformats.org/drawingml/2006/main" xmlns:r="http://schemas.openxmlformats.org/officeDocument/2006/relationships" xmlns:p="http://schemas.openxmlformats.org/presentationml/2006/main">
-  <p:cSld>
-    <p:spTree>
-      <p:nvGrpSpPr>
-        <p:cNvPr id="1" name=""/>
-        <p:cNvGrpSpPr/>
-        <p:nvPr/>
-      </p:nvGrpSpPr>
-      <p:grpSpPr>
-        <a:xfrm>
-          <a:off x="0" y="0"/>
-          <a:ext cx="0" cy="0"/>
-          <a:chOff x="0" y="0"/>
-          <a:chExt cx="0" cy="0"/>
-        </a:xfrm>
-      </p:grpSpPr>
-      <p:sp>
-        <p:nvSpPr>
-          <p:cNvPr id="2" name="Slide Image Placeholder 1"/>
-          <p:cNvSpPr>
-            <a:spLocks noGrp="1" noRot="1" noChangeAspect="1"/>
-          </p:cNvSpPr>
-          <p:nvPr>
-            <p:ph type="sldImg"/>
-          </p:nvPr>
-        </p:nvSpPr>
-        <p:spPr/>
-      </p:sp>
-      <p:sp>
-        <p:nvSpPr>
-          <p:cNvPr id="3" name="Notes Placeholder 2"/>
-          <p:cNvSpPr>
-            <a:spLocks noGrp="1"/>
-          </p:cNvSpPr>
-          <p:nvPr>
-            <p:ph type="body" idx="1"/>
-          </p:nvPr>
-        </p:nvSpPr>
-        <p:spPr/>
-        <p:txBody>
-          <a:bodyPr/>
-          <a:lstStyle/>
-          <a:p>
-            <a:endParaRPr lang="en-GB" dirty="0"/>
-          </a:p>
-        </p:txBody>
-      </p:sp>
-      <p:sp>
-        <p:nvSpPr>
-          <p:cNvPr id="4" name="Slide Number Placeholder 3"/>
-          <p:cNvSpPr>
-            <a:spLocks noGrp="1"/>
-          </p:cNvSpPr>
-          <p:nvPr>
-            <p:ph type="sldNum" sz="quarter" idx="10"/>
-          </p:nvPr>
-        </p:nvSpPr>
-        <p:spPr/>
-        <p:txBody>
-          <a:bodyPr/>
-          <a:lstStyle/>
-          <a:p>
-            <a:fld id="{B32ABD91-820C-4FDF-A69B-FB4E2190F4FF}" type="slidenum">
-              <a:rPr lang="en-US" smtClean="0"/>
-              <a:t>16</a:t>
-            </a:fld>
-            <a:endParaRPr lang="en-US"/>
-          </a:p>
-        </p:txBody>
-      </p:sp>
-    </p:spTree>
-    <p:extLst>
-      <p:ext uri="{BB962C8B-B14F-4D97-AF65-F5344CB8AC3E}">
-        <p14:creationId xmlns:p14="http://schemas.microsoft.com/office/powerpoint/2010/main" val="3022686245"/>
-      </p:ext>
-    </p:extLst>
-  </p:cSld>
-  <p:clrMapOvr>
-    <a:masterClrMapping/>
-  </p:clrMapOvr>
-</p:notes>
-</file>
-
-<file path=ppt/notesSlides/notesSlide3.xml><?xml version="1.0" encoding="utf-8"?>
-<p:notes xmlns:a="http://schemas.openxmlformats.org/drawingml/2006/main" xmlns:r="http://schemas.openxmlformats.org/officeDocument/2006/relationships" xmlns:p="http://schemas.openxmlformats.org/presentationml/2006/main">
-  <p:cSld>
-    <p:spTree>
-      <p:nvGrpSpPr>
-        <p:cNvPr id="1" name=""/>
-        <p:cNvGrpSpPr/>
-        <p:nvPr/>
-      </p:nvGrpSpPr>
-      <p:grpSpPr>
-        <a:xfrm>
-          <a:off x="0" y="0"/>
-          <a:ext cx="0" cy="0"/>
-          <a:chOff x="0" y="0"/>
-          <a:chExt cx="0" cy="0"/>
-        </a:xfrm>
-      </p:grpSpPr>
-      <p:sp>
-        <p:nvSpPr>
-          <p:cNvPr id="2" name="Slide Image Placeholder 1"/>
-          <p:cNvSpPr>
-            <a:spLocks noGrp="1" noRot="1" noChangeAspect="1"/>
-          </p:cNvSpPr>
-          <p:nvPr>
-            <p:ph type="sldImg"/>
-          </p:nvPr>
-        </p:nvSpPr>
-        <p:spPr/>
-      </p:sp>
-      <p:sp>
-        <p:nvSpPr>
-          <p:cNvPr id="3" name="Notes Placeholder 2"/>
-          <p:cNvSpPr>
-            <a:spLocks noGrp="1"/>
-          </p:cNvSpPr>
-          <p:nvPr>
-            <p:ph type="body" idx="1"/>
-          </p:nvPr>
-        </p:nvSpPr>
-        <p:spPr/>
-        <p:txBody>
-          <a:bodyPr/>
-          <a:lstStyle/>
-          <a:p>
-            <a:endParaRPr lang="en-GB" dirty="0"/>
-          </a:p>
-        </p:txBody>
-      </p:sp>
-      <p:sp>
-        <p:nvSpPr>
-          <p:cNvPr id="4" name="Slide Number Placeholder 3"/>
-          <p:cNvSpPr>
-            <a:spLocks noGrp="1"/>
-          </p:cNvSpPr>
-          <p:nvPr>
-            <p:ph type="sldNum" sz="quarter" idx="10"/>
-          </p:nvPr>
-        </p:nvSpPr>
-        <p:spPr/>
-        <p:txBody>
-          <a:bodyPr/>
-          <a:lstStyle/>
-          <a:p>
-            <a:fld id="{B32ABD91-820C-4FDF-A69B-FB4E2190F4FF}" type="slidenum">
-              <a:rPr lang="en-US" smtClean="0"/>
-              <a:t>17</a:t>
-            </a:fld>
-            <a:endParaRPr lang="en-US"/>
-          </a:p>
-        </p:txBody>
-      </p:sp>
-    </p:spTree>
-    <p:extLst>
-      <p:ext uri="{BB962C8B-B14F-4D97-AF65-F5344CB8AC3E}">
-        <p14:creationId xmlns:p14="http://schemas.microsoft.com/office/powerpoint/2010/main" val="1241783393"/>
-      </p:ext>
-    </p:extLst>
-  </p:cSld>
-  <p:clrMapOvr>
-    <a:masterClrMapping/>
-  </p:clrMapOvr>
-</p:notes>
-</file>
-
 <file path=ppt/slideLayouts/slideLayout1.xml><?xml version="1.0" encoding="utf-8"?>
 <p:sldLayout xmlns:a="http://schemas.openxmlformats.org/drawingml/2006/main" xmlns:r="http://schemas.openxmlformats.org/officeDocument/2006/relationships" xmlns:p="http://schemas.openxmlformats.org/presentationml/2006/main" showMasterSp="0" type="title" preserve="1">
   <p:cSld name="Title Slide">
@@ -925,7 +754,7 @@
           <a:p>
             <a:fld id="{2B25DCB4-1894-45C1-AC80-BB1CC7AB7AF3}" type="datetimeFigureOut">
               <a:rPr lang="en-GB" smtClean="0"/>
-              <a:t>05/07/2019</a:t>
+              <a:t>19/06/2019</a:t>
             </a:fld>
             <a:endParaRPr lang="en-GB"/>
           </a:p>
@@ -1361,7 +1190,7 @@
           <a:p>
             <a:fld id="{2B25DCB4-1894-45C1-AC80-BB1CC7AB7AF3}" type="datetimeFigureOut">
               <a:rPr lang="en-GB" smtClean="0"/>
-              <a:t>05/07/2019</a:t>
+              <a:t>19/06/2019</a:t>
             </a:fld>
             <a:endParaRPr lang="en-GB"/>
           </a:p>
@@ -1611,7 +1440,7 @@
           <a:p>
             <a:fld id="{2B25DCB4-1894-45C1-AC80-BB1CC7AB7AF3}" type="datetimeFigureOut">
               <a:rPr lang="en-GB" smtClean="0"/>
-              <a:t>05/07/2019</a:t>
+              <a:t>19/06/2019</a:t>
             </a:fld>
             <a:endParaRPr lang="en-GB"/>
           </a:p>
@@ -1919,7 +1748,7 @@
           <a:p>
             <a:fld id="{2B25DCB4-1894-45C1-AC80-BB1CC7AB7AF3}" type="datetimeFigureOut">
               <a:rPr lang="en-GB" smtClean="0"/>
-              <a:t>05/07/2019</a:t>
+              <a:t>19/06/2019</a:t>
             </a:fld>
             <a:endParaRPr lang="en-GB"/>
           </a:p>
@@ -2237,7 +2066,7 @@
           <a:p>
             <a:fld id="{2B25DCB4-1894-45C1-AC80-BB1CC7AB7AF3}" type="datetimeFigureOut">
               <a:rPr lang="en-GB" smtClean="0"/>
-              <a:t>05/07/2019</a:t>
+              <a:t>19/06/2019</a:t>
             </a:fld>
             <a:endParaRPr lang="en-GB"/>
           </a:p>
@@ -2539,7 +2368,7 @@
           <a:p>
             <a:fld id="{2B25DCB4-1894-45C1-AC80-BB1CC7AB7AF3}" type="datetimeFigureOut">
               <a:rPr lang="en-GB" smtClean="0"/>
-              <a:t>05/07/2019</a:t>
+              <a:t>19/06/2019</a:t>
             </a:fld>
             <a:endParaRPr lang="en-GB"/>
           </a:p>
@@ -2906,7 +2735,7 @@
           <a:p>
             <a:fld id="{2B25DCB4-1894-45C1-AC80-BB1CC7AB7AF3}" type="datetimeFigureOut">
               <a:rPr lang="en-GB" smtClean="0"/>
-              <a:t>05/07/2019</a:t>
+              <a:t>19/06/2019</a:t>
             </a:fld>
             <a:endParaRPr lang="en-GB"/>
           </a:p>
@@ -3080,7 +2909,7 @@
           <a:p>
             <a:fld id="{2B25DCB4-1894-45C1-AC80-BB1CC7AB7AF3}" type="datetimeFigureOut">
               <a:rPr lang="en-GB" smtClean="0"/>
-              <a:t>05/07/2019</a:t>
+              <a:t>19/06/2019</a:t>
             </a:fld>
             <a:endParaRPr lang="en-GB"/>
           </a:p>
@@ -3260,7 +3089,7 @@
           <a:p>
             <a:fld id="{2B25DCB4-1894-45C1-AC80-BB1CC7AB7AF3}" type="datetimeFigureOut">
               <a:rPr lang="en-GB" smtClean="0"/>
-              <a:t>05/07/2019</a:t>
+              <a:t>19/06/2019</a:t>
             </a:fld>
             <a:endParaRPr lang="en-GB"/>
           </a:p>
@@ -3452,7 +3281,7 @@
           <a:p>
             <a:fld id="{432668E7-1494-4367-8917-840B541A68C2}" type="datetimeFigureOut">
               <a:rPr lang="en-GB" smtClean="0"/>
-              <a:t>05/07/2019</a:t>
+              <a:t>19/06/2019</a:t>
             </a:fld>
             <a:endParaRPr lang="en-GB"/>
           </a:p>
@@ -3622,7 +3451,7 @@
           <a:p>
             <a:fld id="{432668E7-1494-4367-8917-840B541A68C2}" type="datetimeFigureOut">
               <a:rPr lang="en-GB" smtClean="0"/>
-              <a:t>05/07/2019</a:t>
+              <a:t>19/06/2019</a:t>
             </a:fld>
             <a:endParaRPr lang="en-GB"/>
           </a:p>
@@ -3792,7 +3621,7 @@
           <a:p>
             <a:fld id="{2B25DCB4-1894-45C1-AC80-BB1CC7AB7AF3}" type="datetimeFigureOut">
               <a:rPr lang="en-GB" smtClean="0"/>
-              <a:t>05/07/2019</a:t>
+              <a:t>19/06/2019</a:t>
             </a:fld>
             <a:endParaRPr lang="en-GB"/>
           </a:p>
@@ -4038,7 +3867,7 @@
           <a:p>
             <a:fld id="{432668E7-1494-4367-8917-840B541A68C2}" type="datetimeFigureOut">
               <a:rPr lang="en-GB" smtClean="0"/>
-              <a:t>05/07/2019</a:t>
+              <a:t>19/06/2019</a:t>
             </a:fld>
             <a:endParaRPr lang="en-GB"/>
           </a:p>
@@ -4270,7 +4099,7 @@
           <a:p>
             <a:fld id="{432668E7-1494-4367-8917-840B541A68C2}" type="datetimeFigureOut">
               <a:rPr lang="en-GB" smtClean="0"/>
-              <a:t>05/07/2019</a:t>
+              <a:t>19/06/2019</a:t>
             </a:fld>
             <a:endParaRPr lang="en-GB"/>
           </a:p>
@@ -4637,7 +4466,7 @@
           <a:p>
             <a:fld id="{432668E7-1494-4367-8917-840B541A68C2}" type="datetimeFigureOut">
               <a:rPr lang="en-GB" smtClean="0"/>
-              <a:t>05/07/2019</a:t>
+              <a:t>19/06/2019</a:t>
             </a:fld>
             <a:endParaRPr lang="en-GB"/>
           </a:p>
@@ -4755,7 +4584,7 @@
           <a:p>
             <a:fld id="{432668E7-1494-4367-8917-840B541A68C2}" type="datetimeFigureOut">
               <a:rPr lang="en-GB" smtClean="0"/>
-              <a:t>05/07/2019</a:t>
+              <a:t>19/06/2019</a:t>
             </a:fld>
             <a:endParaRPr lang="en-GB"/>
           </a:p>
@@ -4850,7 +4679,7 @@
           <a:p>
             <a:fld id="{432668E7-1494-4367-8917-840B541A68C2}" type="datetimeFigureOut">
               <a:rPr lang="en-GB" smtClean="0"/>
-              <a:t>05/07/2019</a:t>
+              <a:t>19/06/2019</a:t>
             </a:fld>
             <a:endParaRPr lang="en-GB"/>
           </a:p>
@@ -5127,7 +4956,7 @@
           <a:p>
             <a:fld id="{432668E7-1494-4367-8917-840B541A68C2}" type="datetimeFigureOut">
               <a:rPr lang="en-GB" smtClean="0"/>
-              <a:t>05/07/2019</a:t>
+              <a:t>19/06/2019</a:t>
             </a:fld>
             <a:endParaRPr lang="en-GB"/>
           </a:p>
@@ -5380,7 +5209,7 @@
           <a:p>
             <a:fld id="{432668E7-1494-4367-8917-840B541A68C2}" type="datetimeFigureOut">
               <a:rPr lang="en-GB" smtClean="0"/>
-              <a:t>05/07/2019</a:t>
+              <a:t>19/06/2019</a:t>
             </a:fld>
             <a:endParaRPr lang="en-GB"/>
           </a:p>
@@ -5550,7 +5379,7 @@
           <a:p>
             <a:fld id="{432668E7-1494-4367-8917-840B541A68C2}" type="datetimeFigureOut">
               <a:rPr lang="en-GB" smtClean="0"/>
-              <a:t>05/07/2019</a:t>
+              <a:t>19/06/2019</a:t>
             </a:fld>
             <a:endParaRPr lang="en-GB"/>
           </a:p>
@@ -5730,7 +5559,7 @@
           <a:p>
             <a:fld id="{432668E7-1494-4367-8917-840B541A68C2}" type="datetimeFigureOut">
               <a:rPr lang="en-GB" smtClean="0"/>
-              <a:t>05/07/2019</a:t>
+              <a:t>19/06/2019</a:t>
             </a:fld>
             <a:endParaRPr lang="en-GB"/>
           </a:p>
@@ -5853,7 +5682,7 @@
           <a:p>
             <a:fld id="{AD47607F-D0CB-4AC6-9566-046428C59115}" type="datetime3">
               <a:rPr lang="en-US" smtClean="0"/>
-              <a:t>5 July 2019</a:t>
+              <a:t>19 June 2019</a:t>
             </a:fld>
             <a:endParaRPr lang="en-GB" dirty="0"/>
           </a:p>
@@ -6176,7 +6005,7 @@
           <a:p>
             <a:fld id="{2B25DCB4-1894-45C1-AC80-BB1CC7AB7AF3}" type="datetimeFigureOut">
               <a:rPr lang="en-GB" smtClean="0"/>
-              <a:t>05/07/2019</a:t>
+              <a:t>19/06/2019</a:t>
             </a:fld>
             <a:endParaRPr lang="en-GB"/>
           </a:p>
@@ -6679,7 +6508,7 @@
           <a:p>
             <a:fld id="{2B25DCB4-1894-45C1-AC80-BB1CC7AB7AF3}" type="datetimeFigureOut">
               <a:rPr lang="en-GB" smtClean="0"/>
-              <a:t>05/07/2019</a:t>
+              <a:t>19/06/2019</a:t>
             </a:fld>
             <a:endParaRPr lang="en-GB"/>
           </a:p>
@@ -7061,7 +6890,7 @@
           <a:p>
             <a:fld id="{2B25DCB4-1894-45C1-AC80-BB1CC7AB7AF3}" type="datetimeFigureOut">
               <a:rPr lang="en-GB" smtClean="0"/>
-              <a:t>05/07/2019</a:t>
+              <a:t>19/06/2019</a:t>
             </a:fld>
             <a:endParaRPr lang="en-GB"/>
           </a:p>
@@ -7179,7 +7008,7 @@
           <a:p>
             <a:fld id="{2B25DCB4-1894-45C1-AC80-BB1CC7AB7AF3}" type="datetimeFigureOut">
               <a:rPr lang="en-GB" smtClean="0"/>
-              <a:t>05/07/2019</a:t>
+              <a:t>19/06/2019</a:t>
             </a:fld>
             <a:endParaRPr lang="en-GB"/>
           </a:p>
@@ -7274,7 +7103,7 @@
           <a:p>
             <a:fld id="{2B25DCB4-1894-45C1-AC80-BB1CC7AB7AF3}" type="datetimeFigureOut">
               <a:rPr lang="en-GB" smtClean="0"/>
-              <a:t>05/07/2019</a:t>
+              <a:t>19/06/2019</a:t>
             </a:fld>
             <a:endParaRPr lang="en-GB"/>
           </a:p>
@@ -7529,7 +7358,7 @@
           <a:p>
             <a:fld id="{2B25DCB4-1894-45C1-AC80-BB1CC7AB7AF3}" type="datetimeFigureOut">
               <a:rPr lang="en-GB" smtClean="0"/>
-              <a:t>05/07/2019</a:t>
+              <a:t>19/06/2019</a:t>
             </a:fld>
             <a:endParaRPr lang="en-GB"/>
           </a:p>
@@ -7812,7 +7641,7 @@
           <a:p>
             <a:fld id="{2B25DCB4-1894-45C1-AC80-BB1CC7AB7AF3}" type="datetimeFigureOut">
               <a:rPr lang="en-GB" smtClean="0"/>
-              <a:t>05/07/2019</a:t>
+              <a:t>19/06/2019</a:t>
             </a:fld>
             <a:endParaRPr lang="en-GB"/>
           </a:p>
@@ -8218,7 +8047,7 @@
           <a:p>
             <a:fld id="{2B25DCB4-1894-45C1-AC80-BB1CC7AB7AF3}" type="datetimeFigureOut">
               <a:rPr lang="en-GB" smtClean="0"/>
-              <a:t>05/07/2019</a:t>
+              <a:t>19/06/2019</a:t>
             </a:fld>
             <a:endParaRPr lang="en-GB"/>
           </a:p>
@@ -8930,7 +8759,7 @@
           <a:p>
             <a:fld id="{432668E7-1494-4367-8917-840B541A68C2}" type="datetimeFigureOut">
               <a:rPr lang="en-GB" smtClean="0"/>
-              <a:t>05/07/2019</a:t>
+              <a:t>19/06/2019</a:t>
             </a:fld>
             <a:endParaRPr lang="en-GB"/>
           </a:p>
@@ -18842,4580 +18671,6 @@
 </file>
 
 <file path=ppt/slides/slide15.xml><?xml version="1.0" encoding="utf-8"?>
-<p:sld xmlns:a="http://schemas.openxmlformats.org/drawingml/2006/main" xmlns:r="http://schemas.openxmlformats.org/officeDocument/2006/relationships" xmlns:p="http://schemas.openxmlformats.org/presentationml/2006/main">
-  <p:cSld>
-    <p:spTree>
-      <p:nvGrpSpPr>
-        <p:cNvPr id="1" name=""/>
-        <p:cNvGrpSpPr/>
-        <p:nvPr/>
-      </p:nvGrpSpPr>
-      <p:grpSpPr>
-        <a:xfrm>
-          <a:off x="0" y="0"/>
-          <a:ext cx="0" cy="0"/>
-          <a:chOff x="0" y="0"/>
-          <a:chExt cx="0" cy="0"/>
-        </a:xfrm>
-      </p:grpSpPr>
-      <p:sp>
-        <p:nvSpPr>
-          <p:cNvPr id="2" name="Title 1"/>
-          <p:cNvSpPr>
-            <a:spLocks noGrp="1"/>
-          </p:cNvSpPr>
-          <p:nvPr>
-            <p:ph type="title"/>
-          </p:nvPr>
-        </p:nvSpPr>
-        <p:spPr>
-          <a:xfrm>
-            <a:off x="467810" y="260953"/>
-            <a:ext cx="10515600" cy="676597"/>
-          </a:xfrm>
-        </p:spPr>
-        <p:txBody>
-          <a:bodyPr>
-            <a:normAutofit fontScale="90000"/>
-          </a:bodyPr>
-          <a:lstStyle/>
-          <a:p>
-            <a:r>
-              <a:rPr lang="en-GB" dirty="0" smtClean="0"/>
-              <a:t>Diagram based on Terminology</a:t>
-            </a:r>
-            <a:endParaRPr lang="en-GB" dirty="0"/>
-          </a:p>
-        </p:txBody>
-      </p:sp>
-      <p:sp>
-        <p:nvSpPr>
-          <p:cNvPr id="4" name="Rectangle 3"/>
-          <p:cNvSpPr/>
-          <p:nvPr/>
-        </p:nvSpPr>
-        <p:spPr>
-          <a:xfrm>
-            <a:off x="4415662" y="2279031"/>
-            <a:ext cx="1371602" cy="1335247"/>
-          </a:xfrm>
-          <a:prstGeom prst="rect">
-            <a:avLst/>
-          </a:prstGeom>
-          <a:solidFill>
-            <a:srgbClr val="6262F0"/>
-          </a:solidFill>
-          <a:ln w="25400" cap="flat" cmpd="sng" algn="ctr">
-            <a:noFill/>
-            <a:prstDash val="solid"/>
-          </a:ln>
-          <a:effectLst/>
-        </p:spPr>
-        <p:style>
-          <a:lnRef idx="2">
-            <a:scrgbClr r="0" g="0" b="0"/>
-          </a:lnRef>
-          <a:fillRef idx="1">
-            <a:scrgbClr r="0" g="0" b="0"/>
-          </a:fillRef>
-          <a:effectRef idx="0">
-            <a:scrgbClr r="0" g="0" b="0"/>
-          </a:effectRef>
-          <a:fontRef idx="minor">
-            <a:schemeClr val="lt1"/>
-          </a:fontRef>
-        </p:style>
-        <p:txBody>
-          <a:bodyPr spcFirstLastPara="0" vert="horz" wrap="square" lIns="72000" tIns="72000" rIns="72000" bIns="72000" numCol="1" spcCol="1270" rtlCol="0" anchor="t" anchorCtr="0">
-            <a:noAutofit/>
-          </a:bodyPr>
-          <a:lstStyle/>
-          <a:p>
-            <a:pPr algn="ctr" defTabSz="444500">
-              <a:lnSpc>
-                <a:spcPct val="90000"/>
-              </a:lnSpc>
-              <a:spcBef>
-                <a:spcPct val="0"/>
-              </a:spcBef>
-              <a:spcAft>
-                <a:spcPct val="35000"/>
-              </a:spcAft>
-            </a:pPr>
-            <a:r>
-              <a:rPr lang="en-US" sz="1000" b="1">
-                <a:solidFill>
-                  <a:schemeClr val="bg1"/>
-                </a:solidFill>
-                <a:latin typeface="Vodafone Rg" pitchFamily="34" charset="0"/>
-              </a:rPr>
-              <a:t>VNF on VM</a:t>
-            </a:r>
-          </a:p>
-        </p:txBody>
-      </p:sp>
-      <p:sp>
-        <p:nvSpPr>
-          <p:cNvPr id="5" name="Rectangle 4"/>
-          <p:cNvSpPr/>
-          <p:nvPr/>
-        </p:nvSpPr>
-        <p:spPr>
-          <a:xfrm>
-            <a:off x="5919437" y="2287133"/>
-            <a:ext cx="1335243" cy="425958"/>
-          </a:xfrm>
-          <a:prstGeom prst="rect">
-            <a:avLst/>
-          </a:prstGeom>
-          <a:solidFill>
-            <a:schemeClr val="accent3"/>
-          </a:solidFill>
-          <a:ln w="25400" cap="flat" cmpd="sng" algn="ctr">
-            <a:noFill/>
-            <a:prstDash val="solid"/>
-          </a:ln>
-          <a:effectLst/>
-        </p:spPr>
-        <p:style>
-          <a:lnRef idx="2">
-            <a:scrgbClr r="0" g="0" b="0"/>
-          </a:lnRef>
-          <a:fillRef idx="1">
-            <a:scrgbClr r="0" g="0" b="0"/>
-          </a:fillRef>
-          <a:effectRef idx="0">
-            <a:scrgbClr r="0" g="0" b="0"/>
-          </a:effectRef>
-          <a:fontRef idx="minor">
-            <a:schemeClr val="lt1"/>
-          </a:fontRef>
-        </p:style>
-        <p:txBody>
-          <a:bodyPr spcFirstLastPara="0" vert="horz" wrap="square" lIns="72000" tIns="72000" rIns="72000" bIns="72000" numCol="1" spcCol="1270" rtlCol="0" anchor="t" anchorCtr="0">
-            <a:noAutofit/>
-          </a:bodyPr>
-          <a:lstStyle/>
-          <a:p>
-            <a:pPr algn="ctr" defTabSz="444500">
-              <a:lnSpc>
-                <a:spcPct val="90000"/>
-              </a:lnSpc>
-              <a:spcBef>
-                <a:spcPct val="0"/>
-              </a:spcBef>
-              <a:spcAft>
-                <a:spcPct val="35000"/>
-              </a:spcAft>
-            </a:pPr>
-            <a:r>
-              <a:rPr lang="en-US" sz="1000" b="1">
-                <a:solidFill>
-                  <a:schemeClr val="bg1"/>
-                </a:solidFill>
-                <a:latin typeface="Vodafone Rg" pitchFamily="34" charset="0"/>
-              </a:rPr>
-              <a:t>VNF on Container on VM</a:t>
-            </a:r>
-          </a:p>
-        </p:txBody>
-      </p:sp>
-      <p:sp>
-        <p:nvSpPr>
-          <p:cNvPr id="6" name="Rectangle 5"/>
-          <p:cNvSpPr/>
-          <p:nvPr/>
-        </p:nvSpPr>
-        <p:spPr>
-          <a:xfrm>
-            <a:off x="7370414" y="2279031"/>
-            <a:ext cx="1339472" cy="824763"/>
-          </a:xfrm>
-          <a:prstGeom prst="rect">
-            <a:avLst/>
-          </a:prstGeom>
-          <a:solidFill>
-            <a:schemeClr val="accent1"/>
-          </a:solidFill>
-          <a:ln w="25400" cap="flat" cmpd="sng" algn="ctr">
-            <a:noFill/>
-            <a:prstDash val="solid"/>
-          </a:ln>
-          <a:effectLst/>
-        </p:spPr>
-        <p:style>
-          <a:lnRef idx="2">
-            <a:scrgbClr r="0" g="0" b="0"/>
-          </a:lnRef>
-          <a:fillRef idx="1">
-            <a:scrgbClr r="0" g="0" b="0"/>
-          </a:fillRef>
-          <a:effectRef idx="0">
-            <a:scrgbClr r="0" g="0" b="0"/>
-          </a:effectRef>
-          <a:fontRef idx="minor">
-            <a:schemeClr val="lt1"/>
-          </a:fontRef>
-        </p:style>
-        <p:txBody>
-          <a:bodyPr spcFirstLastPara="0" vert="horz" wrap="square" lIns="72000" tIns="72000" rIns="72000" bIns="72000" numCol="1" spcCol="1270" rtlCol="0" anchor="t" anchorCtr="0">
-            <a:noAutofit/>
-          </a:bodyPr>
-          <a:lstStyle/>
-          <a:p>
-            <a:pPr algn="ctr" defTabSz="444500">
-              <a:lnSpc>
-                <a:spcPct val="90000"/>
-              </a:lnSpc>
-              <a:spcBef>
-                <a:spcPct val="0"/>
-              </a:spcBef>
-              <a:spcAft>
-                <a:spcPct val="35000"/>
-              </a:spcAft>
-            </a:pPr>
-            <a:r>
-              <a:rPr lang="en-US" sz="1000" b="1">
-                <a:solidFill>
-                  <a:schemeClr val="bg1"/>
-                </a:solidFill>
-                <a:latin typeface="Vodafone Rg" pitchFamily="34" charset="0"/>
-              </a:rPr>
-              <a:t>VNF on Container</a:t>
-            </a:r>
-          </a:p>
-        </p:txBody>
-      </p:sp>
-      <p:grpSp>
-        <p:nvGrpSpPr>
-          <p:cNvPr id="7" name="Group 6"/>
-          <p:cNvGrpSpPr/>
-          <p:nvPr/>
-        </p:nvGrpSpPr>
-        <p:grpSpPr>
-          <a:xfrm>
-            <a:off x="7377953" y="3153867"/>
-            <a:ext cx="1334747" cy="918986"/>
-            <a:chOff x="5137650" y="1479999"/>
-            <a:chExt cx="1126033" cy="918986"/>
-          </a:xfrm>
-        </p:grpSpPr>
-        <p:sp>
-          <p:nvSpPr>
-            <p:cNvPr id="8" name="Rounded Rectangle 20"/>
-            <p:cNvSpPr/>
-            <p:nvPr/>
-          </p:nvSpPr>
-          <p:spPr>
-            <a:xfrm>
-              <a:off x="5137650" y="1479999"/>
-              <a:ext cx="1126033" cy="896633"/>
-            </a:xfrm>
-            <a:prstGeom prst="roundRect">
-              <a:avLst>
-                <a:gd name="adj" fmla="val 0"/>
-              </a:avLst>
-            </a:prstGeom>
-            <a:solidFill>
-              <a:srgbClr val="D2D2D2"/>
-            </a:solidFill>
-            <a:ln>
-              <a:solidFill>
-                <a:srgbClr val="D2D2D2"/>
-              </a:solidFill>
-            </a:ln>
-            <a:effectLst/>
-          </p:spPr>
-          <p:style>
-            <a:lnRef idx="1">
-              <a:schemeClr val="dk1"/>
-            </a:lnRef>
-            <a:fillRef idx="2">
-              <a:schemeClr val="dk1"/>
-            </a:fillRef>
-            <a:effectRef idx="1">
-              <a:schemeClr val="dk1"/>
-            </a:effectRef>
-            <a:fontRef idx="minor">
-              <a:schemeClr val="dk1"/>
-            </a:fontRef>
-          </p:style>
-          <p:txBody>
-            <a:bodyPr vert="horz" wrap="square" lIns="72000" tIns="72000" rIns="72000" bIns="72000" rtlCol="0" anchor="t" anchorCtr="0">
-              <a:noAutofit/>
-            </a:bodyPr>
-            <a:lstStyle/>
-            <a:p>
-              <a:pPr algn="ctr">
-                <a:spcAft>
-                  <a:spcPts val="600"/>
-                </a:spcAft>
-                <a:buClr>
-                  <a:srgbClr val="E60000"/>
-                </a:buClr>
-              </a:pPr>
-              <a:r>
-                <a:rPr lang="en-GB" sz="1000" b="1">
-                  <a:solidFill>
-                    <a:schemeClr val="tx1"/>
-                  </a:solidFill>
-                  <a:cs typeface="Arial" panose="020B0604020202020204" pitchFamily="34" charset="0"/>
-                </a:rPr>
-                <a:t>Containers</a:t>
-              </a:r>
-            </a:p>
-            <a:p>
-              <a:pPr algn="ctr">
-                <a:spcAft>
-                  <a:spcPts val="600"/>
-                </a:spcAft>
-                <a:buClr>
-                  <a:srgbClr val="E60000"/>
-                </a:buClr>
-              </a:pPr>
-              <a:endParaRPr lang="en-GB" sz="100" b="1">
-                <a:solidFill>
-                  <a:schemeClr val="tx1"/>
-                </a:solidFill>
-                <a:cs typeface="Arial" panose="020B0604020202020204" pitchFamily="34" charset="0"/>
-              </a:endParaRPr>
-            </a:p>
-            <a:p>
-              <a:pPr algn="ctr">
-                <a:spcAft>
-                  <a:spcPts val="600"/>
-                </a:spcAft>
-                <a:buClr>
-                  <a:srgbClr val="E60000"/>
-                </a:buClr>
-              </a:pPr>
-              <a:r>
-                <a:rPr lang="en-GB" sz="1000" b="1">
-                  <a:solidFill>
-                    <a:srgbClr val="7F7F7F"/>
-                  </a:solidFill>
-                  <a:cs typeface="Arial" panose="020B0604020202020204" pitchFamily="34" charset="0"/>
-                </a:rPr>
-                <a:t>_________</a:t>
-              </a:r>
-            </a:p>
-            <a:p>
-              <a:pPr algn="ctr">
-                <a:spcAft>
-                  <a:spcPts val="600"/>
-                </a:spcAft>
-                <a:buClr>
-                  <a:srgbClr val="E60000"/>
-                </a:buClr>
-              </a:pPr>
-              <a:r>
-                <a:rPr lang="en-GB" sz="800" b="1">
-                  <a:solidFill>
-                    <a:schemeClr val="tx1"/>
-                  </a:solidFill>
-                  <a:cs typeface="Arial" panose="020B0604020202020204" pitchFamily="34" charset="0"/>
-                </a:rPr>
-                <a:t>Container Runtime + Networking</a:t>
-              </a:r>
-            </a:p>
-            <a:p>
-              <a:pPr algn="ctr">
-                <a:spcAft>
-                  <a:spcPts val="600"/>
-                </a:spcAft>
-                <a:buClr>
-                  <a:srgbClr val="E60000"/>
-                </a:buClr>
-              </a:pPr>
-              <a:endParaRPr lang="en-GB" sz="1000" b="1">
-                <a:solidFill>
-                  <a:schemeClr val="tx1"/>
-                </a:solidFill>
-                <a:cs typeface="Arial" panose="020B0604020202020204" pitchFamily="34" charset="0"/>
-              </a:endParaRPr>
-            </a:p>
-          </p:txBody>
-        </p:sp>
-        <p:pic>
-          <p:nvPicPr>
-            <p:cNvPr id="9" name="Picture 8" descr="Image result for docker logo png"/>
-            <p:cNvPicPr>
-              <a:picLocks noChangeAspect="1" noChangeArrowheads="1"/>
-            </p:cNvPicPr>
-            <p:nvPr/>
-          </p:nvPicPr>
-          <p:blipFill>
-            <a:blip r:embed="rId2" cstate="print">
-              <a:extLst>
-                <a:ext uri="{28A0092B-C50C-407E-A947-70E740481C1C}">
-                  <a14:useLocalDpi xmlns:a14="http://schemas.microsoft.com/office/drawing/2010/main" val="0"/>
-                </a:ext>
-              </a:extLst>
-            </a:blip>
-            <a:srcRect/>
-            <a:stretch>
-              <a:fillRect/>
-            </a:stretch>
-          </p:blipFill>
-          <p:spPr bwMode="auto">
-            <a:xfrm>
-              <a:off x="5545369" y="1775301"/>
-              <a:ext cx="472825" cy="118014"/>
-            </a:xfrm>
-            <a:prstGeom prst="rect">
-              <a:avLst/>
-            </a:prstGeom>
-            <a:noFill/>
-            <a:extLst>
-              <a:ext uri="{909E8E84-426E-40DD-AFC4-6F175D3DCCD1}">
-                <a14:hiddenFill xmlns:a14="http://schemas.microsoft.com/office/drawing/2010/main">
-                  <a:solidFill>
-                    <a:srgbClr val="FFFFFF"/>
-                  </a:solidFill>
-                </a14:hiddenFill>
-              </a:ext>
-            </a:extLst>
-          </p:spPr>
-        </p:pic>
-        <p:pic>
-          <p:nvPicPr>
-            <p:cNvPr id="10" name="Picture 12" descr="Image result for aws ecs logo png"/>
-            <p:cNvPicPr>
-              <a:picLocks noChangeAspect="1" noChangeArrowheads="1"/>
-            </p:cNvPicPr>
-            <p:nvPr/>
-          </p:nvPicPr>
-          <p:blipFill rotWithShape="1">
-            <a:blip r:embed="rId3" cstate="print">
-              <a:extLst>
-                <a:ext uri="{28A0092B-C50C-407E-A947-70E740481C1C}">
-                  <a14:useLocalDpi xmlns:a14="http://schemas.microsoft.com/office/drawing/2010/main" val="0"/>
-                </a:ext>
-              </a:extLst>
-            </a:blip>
-            <a:srcRect b="49102"/>
-            <a:stretch/>
-          </p:blipFill>
-          <p:spPr bwMode="auto">
-            <a:xfrm>
-              <a:off x="5246003" y="1734876"/>
-              <a:ext cx="236459" cy="191352"/>
-            </a:xfrm>
-            <a:prstGeom prst="rect">
-              <a:avLst/>
-            </a:prstGeom>
-            <a:noFill/>
-            <a:extLst>
-              <a:ext uri="{909E8E84-426E-40DD-AFC4-6F175D3DCCD1}">
-                <a14:hiddenFill xmlns:a14="http://schemas.microsoft.com/office/drawing/2010/main">
-                  <a:solidFill>
-                    <a:srgbClr val="FFFFFF"/>
-                  </a:solidFill>
-                </a14:hiddenFill>
-              </a:ext>
-            </a:extLst>
-          </p:spPr>
-        </p:pic>
-        <p:sp>
-          <p:nvSpPr>
-            <p:cNvPr id="11" name="Rectangle 10"/>
-            <p:cNvSpPr/>
-            <p:nvPr/>
-          </p:nvSpPr>
-          <p:spPr>
-            <a:xfrm>
-              <a:off x="5161017" y="1506992"/>
-              <a:ext cx="1085006" cy="891993"/>
-            </a:xfrm>
-            <a:prstGeom prst="rect">
-              <a:avLst/>
-            </a:prstGeom>
-            <a:noFill/>
-            <a:ln w="57150" cap="flat" cmpd="sng" algn="ctr">
-              <a:solidFill>
-                <a:schemeClr val="accent1"/>
-              </a:solidFill>
-              <a:prstDash val="solid"/>
-            </a:ln>
-            <a:effectLst/>
-          </p:spPr>
-          <p:style>
-            <a:lnRef idx="2">
-              <a:scrgbClr r="0" g="0" b="0"/>
-            </a:lnRef>
-            <a:fillRef idx="1">
-              <a:scrgbClr r="0" g="0" b="0"/>
-            </a:fillRef>
-            <a:effectRef idx="0">
-              <a:scrgbClr r="0" g="0" b="0"/>
-            </a:effectRef>
-            <a:fontRef idx="minor">
-              <a:schemeClr val="lt1"/>
-            </a:fontRef>
-          </p:style>
-          <p:txBody>
-            <a:bodyPr spcFirstLastPara="0" vert="horz" wrap="square" lIns="6350" tIns="6350" rIns="6350" bIns="6350" numCol="1" spcCol="1270" rtlCol="0" anchor="ctr" anchorCtr="0">
-              <a:noAutofit/>
-            </a:bodyPr>
-            <a:lstStyle/>
-            <a:p>
-              <a:pPr algn="ctr" defTabSz="444500">
-                <a:lnSpc>
-                  <a:spcPct val="90000"/>
-                </a:lnSpc>
-                <a:spcBef>
-                  <a:spcPct val="0"/>
-                </a:spcBef>
-                <a:spcAft>
-                  <a:spcPct val="35000"/>
-                </a:spcAft>
-              </a:pPr>
-              <a:endParaRPr lang="en-GB" sz="1000" kern="1200">
-                <a:solidFill>
-                  <a:srgbClr val="34342B"/>
-                </a:solidFill>
-                <a:latin typeface="Vodafone Rg" pitchFamily="34" charset="0"/>
-                <a:ea typeface="+mn-ea"/>
-                <a:cs typeface="+mn-cs"/>
-              </a:endParaRPr>
-            </a:p>
-          </p:txBody>
-        </p:sp>
-      </p:grpSp>
-      <p:grpSp>
-        <p:nvGrpSpPr>
-          <p:cNvPr id="12" name="Group 11"/>
-          <p:cNvGrpSpPr/>
-          <p:nvPr/>
-        </p:nvGrpSpPr>
-        <p:grpSpPr>
-          <a:xfrm>
-            <a:off x="5919933" y="2765722"/>
-            <a:ext cx="1334747" cy="848556"/>
-            <a:chOff x="3907621" y="1091854"/>
-            <a:chExt cx="1126033" cy="848556"/>
-          </a:xfrm>
-        </p:grpSpPr>
-        <p:sp>
-          <p:nvSpPr>
-            <p:cNvPr id="13" name="Rounded Rectangle 20"/>
-            <p:cNvSpPr/>
-            <p:nvPr/>
-          </p:nvSpPr>
-          <p:spPr>
-            <a:xfrm>
-              <a:off x="3907621" y="1091854"/>
-              <a:ext cx="1126033" cy="848556"/>
-            </a:xfrm>
-            <a:prstGeom prst="roundRect">
-              <a:avLst>
-                <a:gd name="adj" fmla="val 0"/>
-              </a:avLst>
-            </a:prstGeom>
-            <a:solidFill>
-              <a:schemeClr val="bg1">
-                <a:lumMod val="65000"/>
-                <a:alpha val="50000"/>
-              </a:schemeClr>
-            </a:solidFill>
-            <a:ln>
-              <a:noFill/>
-            </a:ln>
-          </p:spPr>
-          <p:style>
-            <a:lnRef idx="0">
-              <a:scrgbClr r="0" g="0" b="0"/>
-            </a:lnRef>
-            <a:fillRef idx="0">
-              <a:scrgbClr r="0" g="0" b="0"/>
-            </a:fillRef>
-            <a:effectRef idx="0">
-              <a:scrgbClr r="0" g="0" b="0"/>
-            </a:effectRef>
-            <a:fontRef idx="minor">
-              <a:schemeClr val="lt1"/>
-            </a:fontRef>
-          </p:style>
-          <p:txBody>
-            <a:bodyPr vert="horz" wrap="square" lIns="72000" tIns="36000" rIns="72000" bIns="72000" rtlCol="0" anchor="t" anchorCtr="0">
-              <a:noAutofit/>
-            </a:bodyPr>
-            <a:lstStyle/>
-            <a:p>
-              <a:pPr algn="ctr">
-                <a:spcAft>
-                  <a:spcPts val="600"/>
-                </a:spcAft>
-                <a:buClr>
-                  <a:srgbClr val="E60000"/>
-                </a:buClr>
-              </a:pPr>
-              <a:r>
-                <a:rPr lang="en-GB" sz="1000" b="1">
-                  <a:solidFill>
-                    <a:schemeClr val="tx1"/>
-                  </a:solidFill>
-                  <a:cs typeface="Arial" panose="020B0604020202020204" pitchFamily="34" charset="0"/>
-                </a:rPr>
-                <a:t>Containers</a:t>
-              </a:r>
-            </a:p>
-            <a:p>
-              <a:pPr algn="ctr">
-                <a:spcAft>
-                  <a:spcPts val="600"/>
-                </a:spcAft>
-                <a:buClr>
-                  <a:srgbClr val="E60000"/>
-                </a:buClr>
-              </a:pPr>
-              <a:endParaRPr lang="en-GB" sz="100" b="1">
-                <a:solidFill>
-                  <a:schemeClr val="tx1"/>
-                </a:solidFill>
-                <a:cs typeface="Arial" panose="020B0604020202020204" pitchFamily="34" charset="0"/>
-              </a:endParaRPr>
-            </a:p>
-            <a:p>
-              <a:pPr algn="ctr">
-                <a:spcAft>
-                  <a:spcPts val="600"/>
-                </a:spcAft>
-                <a:buClr>
-                  <a:srgbClr val="E60000"/>
-                </a:buClr>
-              </a:pPr>
-              <a:r>
-                <a:rPr lang="en-GB" sz="1000" b="1">
-                  <a:solidFill>
-                    <a:srgbClr val="7F7F7F"/>
-                  </a:solidFill>
-                  <a:cs typeface="Arial" panose="020B0604020202020204" pitchFamily="34" charset="0"/>
-                </a:rPr>
-                <a:t>______________</a:t>
-              </a:r>
-            </a:p>
-            <a:p>
-              <a:pPr algn="ctr">
-                <a:spcAft>
-                  <a:spcPts val="600"/>
-                </a:spcAft>
-                <a:buClr>
-                  <a:srgbClr val="E60000"/>
-                </a:buClr>
-              </a:pPr>
-              <a:r>
-                <a:rPr lang="en-GB" sz="800" b="1">
-                  <a:solidFill>
-                    <a:schemeClr val="tx1"/>
-                  </a:solidFill>
-                  <a:cs typeface="Arial" panose="020B0604020202020204" pitchFamily="34" charset="0"/>
-                </a:rPr>
-                <a:t>Container Runtime + Networking</a:t>
-              </a:r>
-            </a:p>
-            <a:p>
-              <a:pPr algn="ctr">
-                <a:spcAft>
-                  <a:spcPts val="600"/>
-                </a:spcAft>
-                <a:buClr>
-                  <a:srgbClr val="E60000"/>
-                </a:buClr>
-              </a:pPr>
-              <a:endParaRPr lang="en-GB" sz="1000" b="1">
-                <a:solidFill>
-                  <a:schemeClr val="tx1"/>
-                </a:solidFill>
-                <a:cs typeface="Arial" panose="020B0604020202020204" pitchFamily="34" charset="0"/>
-              </a:endParaRPr>
-            </a:p>
-          </p:txBody>
-        </p:sp>
-        <p:pic>
-          <p:nvPicPr>
-            <p:cNvPr id="14" name="Picture 8" descr="Image result for docker logo png"/>
-            <p:cNvPicPr>
-              <a:picLocks noChangeAspect="1" noChangeArrowheads="1"/>
-            </p:cNvPicPr>
-            <p:nvPr/>
-          </p:nvPicPr>
-          <p:blipFill>
-            <a:blip r:embed="rId4" cstate="print">
-              <a:extLst>
-                <a:ext uri="{28A0092B-C50C-407E-A947-70E740481C1C}">
-                  <a14:useLocalDpi xmlns:a14="http://schemas.microsoft.com/office/drawing/2010/main" val="0"/>
-                </a:ext>
-              </a:extLst>
-            </a:blip>
-            <a:srcRect/>
-            <a:stretch>
-              <a:fillRect/>
-            </a:stretch>
-          </p:blipFill>
-          <p:spPr bwMode="auto">
-            <a:xfrm>
-              <a:off x="4308612" y="1346413"/>
-              <a:ext cx="472825" cy="123811"/>
-            </a:xfrm>
-            <a:prstGeom prst="rect">
-              <a:avLst/>
-            </a:prstGeom>
-            <a:noFill/>
-            <a:extLst>
-              <a:ext uri="{909E8E84-426E-40DD-AFC4-6F175D3DCCD1}">
-                <a14:hiddenFill xmlns:a14="http://schemas.microsoft.com/office/drawing/2010/main">
-                  <a:solidFill>
-                    <a:srgbClr val="FFFFFF"/>
-                  </a:solidFill>
-                </a14:hiddenFill>
-              </a:ext>
-            </a:extLst>
-          </p:spPr>
-        </p:pic>
-        <p:pic>
-          <p:nvPicPr>
-            <p:cNvPr id="15" name="Picture 12" descr="Image result for aws ecs logo png"/>
-            <p:cNvPicPr>
-              <a:picLocks noChangeAspect="1" noChangeArrowheads="1"/>
-            </p:cNvPicPr>
-            <p:nvPr/>
-          </p:nvPicPr>
-          <p:blipFill rotWithShape="1">
-            <a:blip r:embed="rId3" cstate="print">
-              <a:extLst>
-                <a:ext uri="{28A0092B-C50C-407E-A947-70E740481C1C}">
-                  <a14:useLocalDpi xmlns:a14="http://schemas.microsoft.com/office/drawing/2010/main" val="0"/>
-                </a:ext>
-              </a:extLst>
-            </a:blip>
-            <a:srcRect b="49102"/>
-            <a:stretch/>
-          </p:blipFill>
-          <p:spPr bwMode="auto">
-            <a:xfrm>
-              <a:off x="4009246" y="1304002"/>
-              <a:ext cx="236459" cy="200752"/>
-            </a:xfrm>
-            <a:prstGeom prst="rect">
-              <a:avLst/>
-            </a:prstGeom>
-            <a:noFill/>
-            <a:extLst>
-              <a:ext uri="{909E8E84-426E-40DD-AFC4-6F175D3DCCD1}">
-                <a14:hiddenFill xmlns:a14="http://schemas.microsoft.com/office/drawing/2010/main">
-                  <a:solidFill>
-                    <a:srgbClr val="FFFFFF"/>
-                  </a:solidFill>
-                </a14:hiddenFill>
-              </a:ext>
-            </a:extLst>
-          </p:spPr>
-        </p:pic>
-      </p:grpSp>
-      <p:sp>
-        <p:nvSpPr>
-          <p:cNvPr id="16" name="Rounded Rectangle 20"/>
-          <p:cNvSpPr/>
-          <p:nvPr/>
-        </p:nvSpPr>
-        <p:spPr>
-          <a:xfrm>
-            <a:off x="4421049" y="4177703"/>
-            <a:ext cx="4288836" cy="375826"/>
-          </a:xfrm>
-          <a:prstGeom prst="roundRect">
-            <a:avLst>
-              <a:gd name="adj" fmla="val 0"/>
-            </a:avLst>
-          </a:prstGeom>
-          <a:solidFill>
-            <a:schemeClr val="accent4">
-              <a:alpha val="50000"/>
-            </a:schemeClr>
-          </a:solidFill>
-          <a:ln>
-            <a:noFill/>
-          </a:ln>
-        </p:spPr>
-        <p:style>
-          <a:lnRef idx="0">
-            <a:scrgbClr r="0" g="0" b="0"/>
-          </a:lnRef>
-          <a:fillRef idx="0">
-            <a:scrgbClr r="0" g="0" b="0"/>
-          </a:fillRef>
-          <a:effectRef idx="0">
-            <a:scrgbClr r="0" g="0" b="0"/>
-          </a:effectRef>
-          <a:fontRef idx="minor">
-            <a:schemeClr val="lt1"/>
-          </a:fontRef>
-        </p:style>
-        <p:txBody>
-          <a:bodyPr vert="horz" wrap="square" lIns="72000" tIns="72000" rIns="72000" bIns="72000" rtlCol="0" anchor="ctr" anchorCtr="0">
-            <a:noAutofit/>
-          </a:bodyPr>
-          <a:lstStyle/>
-          <a:p>
-            <a:pPr algn="ctr">
-              <a:spcAft>
-                <a:spcPts val="600"/>
-              </a:spcAft>
-              <a:buClr>
-                <a:srgbClr val="E60000"/>
-              </a:buClr>
-            </a:pPr>
-            <a:r>
-              <a:rPr lang="en-GB" sz="1000" b="1">
-                <a:solidFill>
-                  <a:schemeClr val="tx1"/>
-                </a:solidFill>
-                <a:cs typeface="Arial" panose="020B0604020202020204" pitchFamily="34" charset="0"/>
-              </a:rPr>
-              <a:t>Hypervisor (KVM, </a:t>
-            </a:r>
-            <a:r>
-              <a:rPr lang="en-GB" sz="1000" b="1" err="1">
-                <a:solidFill>
-                  <a:schemeClr val="tx1"/>
-                </a:solidFill>
-                <a:cs typeface="Arial" panose="020B0604020202020204" pitchFamily="34" charset="0"/>
-              </a:rPr>
-              <a:t>ESXi</a:t>
-            </a:r>
-            <a:r>
-              <a:rPr lang="en-GB" sz="1000" b="1">
-                <a:solidFill>
-                  <a:schemeClr val="tx1"/>
-                </a:solidFill>
-                <a:cs typeface="Arial" panose="020B0604020202020204" pitchFamily="34" charset="0"/>
-              </a:rPr>
-              <a:t>)</a:t>
-            </a:r>
-          </a:p>
-        </p:txBody>
-      </p:sp>
-      <p:sp>
-        <p:nvSpPr>
-          <p:cNvPr id="17" name="Rounded Rectangle 16"/>
-          <p:cNvSpPr/>
-          <p:nvPr/>
-        </p:nvSpPr>
-        <p:spPr bwMode="auto">
-          <a:xfrm>
-            <a:off x="5919437" y="3688983"/>
-            <a:ext cx="1335245" cy="415405"/>
-          </a:xfrm>
-          <a:prstGeom prst="roundRect">
-            <a:avLst>
-              <a:gd name="adj" fmla="val 0"/>
-            </a:avLst>
-          </a:prstGeom>
-          <a:solidFill>
-            <a:srgbClr val="7F7F7F"/>
-          </a:solidFill>
-          <a:ln w="9525" cap="flat" cmpd="sng" algn="ctr">
-            <a:noFill/>
-            <a:prstDash val="solid"/>
-            <a:round/>
-            <a:headEnd type="none" w="med" len="med"/>
-            <a:tailEnd type="none" w="med" len="med"/>
-          </a:ln>
-          <a:effectLst/>
-        </p:spPr>
-        <p:txBody>
-          <a:bodyPr vert="horz" wrap="square" lIns="68580" tIns="34290" rIns="68580" bIns="34290" numCol="1" rtlCol="0" anchor="ctr" anchorCtr="0" compatLnSpc="1">
-            <a:prstTxWarp prst="textNoShape">
-              <a:avLst/>
-            </a:prstTxWarp>
-          </a:bodyPr>
-          <a:lstStyle/>
-          <a:p>
-            <a:pPr algn="ctr" defTabSz="685783" eaLnBrk="0" fontAlgn="base" hangingPunct="0">
-              <a:spcBef>
-                <a:spcPct val="0"/>
-              </a:spcBef>
-              <a:spcAft>
-                <a:spcPct val="0"/>
-              </a:spcAft>
-              <a:defRPr/>
-            </a:pPr>
-            <a:r>
-              <a:rPr lang="en-GB" sz="1400" kern="0">
-                <a:solidFill>
-                  <a:srgbClr val="FFFFFF"/>
-                </a:solidFill>
-                <a:latin typeface="Arial" charset="0"/>
-              </a:rPr>
-              <a:t>VM</a:t>
-            </a:r>
-            <a:endParaRPr lang="en-US" sz="1400" kern="0">
-              <a:solidFill>
-                <a:srgbClr val="FFFFFF"/>
-              </a:solidFill>
-              <a:latin typeface="Arial" charset="0"/>
-            </a:endParaRPr>
-          </a:p>
-        </p:txBody>
-      </p:sp>
-      <p:sp>
-        <p:nvSpPr>
-          <p:cNvPr id="18" name="Rounded Rectangle 17"/>
-          <p:cNvSpPr/>
-          <p:nvPr/>
-        </p:nvSpPr>
-        <p:spPr bwMode="auto">
-          <a:xfrm>
-            <a:off x="4415662" y="3684162"/>
-            <a:ext cx="1371602" cy="420226"/>
-          </a:xfrm>
-          <a:prstGeom prst="roundRect">
-            <a:avLst>
-              <a:gd name="adj" fmla="val 0"/>
-            </a:avLst>
-          </a:prstGeom>
-          <a:solidFill>
-            <a:srgbClr val="7F7F7F"/>
-          </a:solidFill>
-          <a:ln w="9525" cap="flat" cmpd="sng" algn="ctr">
-            <a:noFill/>
-            <a:prstDash val="solid"/>
-            <a:round/>
-            <a:headEnd type="none" w="med" len="med"/>
-            <a:tailEnd type="none" w="med" len="med"/>
-          </a:ln>
-          <a:effectLst/>
-        </p:spPr>
-        <p:txBody>
-          <a:bodyPr vert="horz" wrap="square" lIns="68580" tIns="34290" rIns="68580" bIns="34290" numCol="1" rtlCol="0" anchor="ctr" anchorCtr="0" compatLnSpc="1">
-            <a:prstTxWarp prst="textNoShape">
-              <a:avLst/>
-            </a:prstTxWarp>
-          </a:bodyPr>
-          <a:lstStyle/>
-          <a:p>
-            <a:pPr algn="ctr" defTabSz="685783" eaLnBrk="0" fontAlgn="base" hangingPunct="0">
-              <a:spcBef>
-                <a:spcPct val="0"/>
-              </a:spcBef>
-              <a:spcAft>
-                <a:spcPct val="0"/>
-              </a:spcAft>
-            </a:pPr>
-            <a:r>
-              <a:rPr lang="en-GB" sz="1400" kern="0">
-                <a:solidFill>
-                  <a:srgbClr val="FFFFFF"/>
-                </a:solidFill>
-                <a:latin typeface="Arial" charset="0"/>
-              </a:rPr>
-              <a:t>VM</a:t>
-            </a:r>
-            <a:endParaRPr lang="en-US" sz="1400" kern="0">
-              <a:solidFill>
-                <a:srgbClr val="FFFFFF"/>
-              </a:solidFill>
-              <a:latin typeface="Arial" charset="0"/>
-            </a:endParaRPr>
-          </a:p>
-        </p:txBody>
-      </p:sp>
-      <p:sp>
-        <p:nvSpPr>
-          <p:cNvPr id="19" name="Rectangle 18"/>
-          <p:cNvSpPr/>
-          <p:nvPr/>
-        </p:nvSpPr>
-        <p:spPr>
-          <a:xfrm>
-            <a:off x="4421049" y="4177702"/>
-            <a:ext cx="4288836" cy="386116"/>
-          </a:xfrm>
-          <a:prstGeom prst="rect">
-            <a:avLst/>
-          </a:prstGeom>
-          <a:noFill/>
-          <a:ln w="57150" cap="flat" cmpd="sng" algn="ctr">
-            <a:solidFill>
-              <a:schemeClr val="accent1"/>
-            </a:solidFill>
-            <a:prstDash val="solid"/>
-          </a:ln>
-          <a:effectLst/>
-        </p:spPr>
-        <p:style>
-          <a:lnRef idx="2">
-            <a:scrgbClr r="0" g="0" b="0"/>
-          </a:lnRef>
-          <a:fillRef idx="1">
-            <a:scrgbClr r="0" g="0" b="0"/>
-          </a:fillRef>
-          <a:effectRef idx="0">
-            <a:scrgbClr r="0" g="0" b="0"/>
-          </a:effectRef>
-          <a:fontRef idx="minor">
-            <a:schemeClr val="lt1"/>
-          </a:fontRef>
-        </p:style>
-        <p:txBody>
-          <a:bodyPr spcFirstLastPara="0" vert="horz" wrap="square" lIns="6350" tIns="6350" rIns="6350" bIns="6350" numCol="1" spcCol="1270" rtlCol="0" anchor="ctr" anchorCtr="0">
-            <a:noAutofit/>
-          </a:bodyPr>
-          <a:lstStyle/>
-          <a:p>
-            <a:pPr algn="ctr" defTabSz="444500">
-              <a:lnSpc>
-                <a:spcPct val="90000"/>
-              </a:lnSpc>
-              <a:spcBef>
-                <a:spcPct val="0"/>
-              </a:spcBef>
-              <a:spcAft>
-                <a:spcPct val="35000"/>
-              </a:spcAft>
-            </a:pPr>
-            <a:endParaRPr lang="en-GB" sz="1000" kern="1200">
-              <a:solidFill>
-                <a:srgbClr val="34342B"/>
-              </a:solidFill>
-              <a:latin typeface="Vodafone Rg" pitchFamily="34" charset="0"/>
-              <a:ea typeface="+mn-ea"/>
-              <a:cs typeface="+mn-cs"/>
-            </a:endParaRPr>
-          </a:p>
-        </p:txBody>
-      </p:sp>
-      <p:pic>
-        <p:nvPicPr>
-          <p:cNvPr id="20" name="Picture 2" descr="Image result for ESXI VMWare logo"/>
-          <p:cNvPicPr>
-            <a:picLocks noChangeAspect="1" noChangeArrowheads="1"/>
-          </p:cNvPicPr>
-          <p:nvPr/>
-        </p:nvPicPr>
-        <p:blipFill>
-          <a:blip r:embed="rId5" cstate="print">
-            <a:extLst>
-              <a:ext uri="{28A0092B-C50C-407E-A947-70E740481C1C}">
-                <a14:useLocalDpi xmlns:a14="http://schemas.microsoft.com/office/drawing/2010/main" val="0"/>
-              </a:ext>
-            </a:extLst>
-          </a:blip>
-          <a:srcRect/>
-          <a:stretch>
-            <a:fillRect/>
-          </a:stretch>
-        </p:blipFill>
-        <p:spPr bwMode="auto">
-          <a:xfrm>
-            <a:off x="7862053" y="4219249"/>
-            <a:ext cx="808788" cy="319533"/>
-          </a:xfrm>
-          <a:prstGeom prst="rect">
-            <a:avLst/>
-          </a:prstGeom>
-          <a:noFill/>
-          <a:extLst>
-            <a:ext uri="{909E8E84-426E-40DD-AFC4-6F175D3DCCD1}">
-              <a14:hiddenFill xmlns:a14="http://schemas.microsoft.com/office/drawing/2010/main">
-                <a:solidFill>
-                  <a:srgbClr val="FFFFFF"/>
-                </a:solidFill>
-              </a14:hiddenFill>
-            </a:ext>
-          </a:extLst>
-        </p:spPr>
-      </p:pic>
-      <p:pic>
-        <p:nvPicPr>
-          <p:cNvPr id="21" name="Picture 2" descr="Image result for KVM logo png"/>
-          <p:cNvPicPr>
-            <a:picLocks noChangeAspect="1" noChangeArrowheads="1"/>
-          </p:cNvPicPr>
-          <p:nvPr/>
-        </p:nvPicPr>
-        <p:blipFill>
-          <a:blip r:embed="rId6" cstate="print">
-            <a:extLst>
-              <a:ext uri="{28A0092B-C50C-407E-A947-70E740481C1C}">
-                <a14:useLocalDpi xmlns:a14="http://schemas.microsoft.com/office/drawing/2010/main" val="0"/>
-              </a:ext>
-            </a:extLst>
-          </a:blip>
-          <a:srcRect/>
-          <a:stretch>
-            <a:fillRect/>
-          </a:stretch>
-        </p:blipFill>
-        <p:spPr bwMode="auto">
-          <a:xfrm>
-            <a:off x="4831857" y="4418730"/>
-            <a:ext cx="443940" cy="111077"/>
-          </a:xfrm>
-          <a:prstGeom prst="rect">
-            <a:avLst/>
-          </a:prstGeom>
-          <a:noFill/>
-          <a:extLst>
-            <a:ext uri="{909E8E84-426E-40DD-AFC4-6F175D3DCCD1}">
-              <a14:hiddenFill xmlns:a14="http://schemas.microsoft.com/office/drawing/2010/main">
-                <a:solidFill>
-                  <a:srgbClr val="FFFFFF"/>
-                </a:solidFill>
-              </a14:hiddenFill>
-            </a:ext>
-          </a:extLst>
-        </p:spPr>
-      </p:pic>
-      <p:pic>
-        <p:nvPicPr>
-          <p:cNvPr id="22" name="Picture 14" descr="Image result for openstack logo png"/>
-          <p:cNvPicPr>
-            <a:picLocks noChangeAspect="1" noChangeArrowheads="1"/>
-          </p:cNvPicPr>
-          <p:nvPr/>
-        </p:nvPicPr>
-        <p:blipFill>
-          <a:blip r:embed="rId7" cstate="print">
-            <a:extLst>
-              <a:ext uri="{28A0092B-C50C-407E-A947-70E740481C1C}">
-                <a14:useLocalDpi xmlns:a14="http://schemas.microsoft.com/office/drawing/2010/main" val="0"/>
-              </a:ext>
-            </a:extLst>
-          </a:blip>
-          <a:srcRect/>
-          <a:stretch>
-            <a:fillRect/>
-          </a:stretch>
-        </p:blipFill>
-        <p:spPr bwMode="auto">
-          <a:xfrm>
-            <a:off x="4803204" y="4212317"/>
-            <a:ext cx="535783" cy="204399"/>
-          </a:xfrm>
-          <a:prstGeom prst="rect">
-            <a:avLst/>
-          </a:prstGeom>
-          <a:noFill/>
-          <a:extLst>
-            <a:ext uri="{909E8E84-426E-40DD-AFC4-6F175D3DCCD1}">
-              <a14:hiddenFill xmlns:a14="http://schemas.microsoft.com/office/drawing/2010/main">
-                <a:solidFill>
-                  <a:srgbClr val="FFFFFF"/>
-                </a:solidFill>
-              </a14:hiddenFill>
-            </a:ext>
-          </a:extLst>
-        </p:spPr>
-      </p:pic>
-      <p:sp>
-        <p:nvSpPr>
-          <p:cNvPr id="23" name="Rounded Rectangle 20"/>
-          <p:cNvSpPr/>
-          <p:nvPr/>
-        </p:nvSpPr>
-        <p:spPr>
-          <a:xfrm>
-            <a:off x="4414423" y="4672239"/>
-            <a:ext cx="2064797" cy="375826"/>
-          </a:xfrm>
-          <a:prstGeom prst="roundRect">
-            <a:avLst>
-              <a:gd name="adj" fmla="val 0"/>
-            </a:avLst>
-          </a:prstGeom>
-          <a:solidFill>
-            <a:schemeClr val="accent4">
-              <a:alpha val="50000"/>
-            </a:schemeClr>
-          </a:solidFill>
-          <a:ln>
-            <a:noFill/>
-          </a:ln>
-        </p:spPr>
-        <p:style>
-          <a:lnRef idx="0">
-            <a:scrgbClr r="0" g="0" b="0"/>
-          </a:lnRef>
-          <a:fillRef idx="0">
-            <a:scrgbClr r="0" g="0" b="0"/>
-          </a:fillRef>
-          <a:effectRef idx="0">
-            <a:scrgbClr r="0" g="0" b="0"/>
-          </a:effectRef>
-          <a:fontRef idx="minor">
-            <a:schemeClr val="lt1"/>
-          </a:fontRef>
-        </p:style>
-        <p:txBody>
-          <a:bodyPr vert="horz" wrap="square" lIns="72000" tIns="72000" rIns="72000" bIns="72000" rtlCol="0" anchor="ctr" anchorCtr="0">
-            <a:noAutofit/>
-          </a:bodyPr>
-          <a:lstStyle/>
-          <a:p>
-            <a:pPr algn="ctr">
-              <a:buClr>
-                <a:srgbClr val="E60000"/>
-              </a:buClr>
-            </a:pPr>
-            <a:r>
-              <a:rPr lang="en-GB" sz="1000" b="1">
-                <a:solidFill>
-                  <a:schemeClr val="tx1"/>
-                </a:solidFill>
-                <a:cs typeface="Arial" panose="020B0604020202020204" pitchFamily="34" charset="0"/>
-              </a:rPr>
-              <a:t>Virtual</a:t>
-            </a:r>
-          </a:p>
-          <a:p>
-            <a:pPr algn="ctr">
-              <a:buClr>
-                <a:srgbClr val="E60000"/>
-              </a:buClr>
-            </a:pPr>
-            <a:r>
-              <a:rPr lang="en-GB" sz="1000" b="1">
-                <a:solidFill>
-                  <a:schemeClr val="tx1"/>
-                </a:solidFill>
-                <a:cs typeface="Arial" panose="020B0604020202020204" pitchFamily="34" charset="0"/>
-              </a:rPr>
-              <a:t>Network</a:t>
-            </a:r>
-          </a:p>
-        </p:txBody>
-      </p:sp>
-      <p:sp>
-        <p:nvSpPr>
-          <p:cNvPr id="24" name="Rectangle 23"/>
-          <p:cNvSpPr/>
-          <p:nvPr/>
-        </p:nvSpPr>
-        <p:spPr>
-          <a:xfrm>
-            <a:off x="4414424" y="4668348"/>
-            <a:ext cx="2064796" cy="386116"/>
-          </a:xfrm>
-          <a:prstGeom prst="rect">
-            <a:avLst/>
-          </a:prstGeom>
-          <a:noFill/>
-          <a:ln w="57150" cap="flat" cmpd="sng" algn="ctr">
-            <a:solidFill>
-              <a:schemeClr val="accent1"/>
-            </a:solidFill>
-            <a:prstDash val="solid"/>
-          </a:ln>
-          <a:effectLst/>
-        </p:spPr>
-        <p:style>
-          <a:lnRef idx="2">
-            <a:scrgbClr r="0" g="0" b="0"/>
-          </a:lnRef>
-          <a:fillRef idx="1">
-            <a:scrgbClr r="0" g="0" b="0"/>
-          </a:fillRef>
-          <a:effectRef idx="0">
-            <a:scrgbClr r="0" g="0" b="0"/>
-          </a:effectRef>
-          <a:fontRef idx="minor">
-            <a:schemeClr val="lt1"/>
-          </a:fontRef>
-        </p:style>
-        <p:txBody>
-          <a:bodyPr spcFirstLastPara="0" vert="horz" wrap="square" lIns="6350" tIns="6350" rIns="6350" bIns="6350" numCol="1" spcCol="1270" rtlCol="0" anchor="ctr" anchorCtr="0">
-            <a:noAutofit/>
-          </a:bodyPr>
-          <a:lstStyle/>
-          <a:p>
-            <a:pPr algn="ctr" defTabSz="444500">
-              <a:lnSpc>
-                <a:spcPct val="90000"/>
-              </a:lnSpc>
-              <a:spcBef>
-                <a:spcPct val="0"/>
-              </a:spcBef>
-              <a:spcAft>
-                <a:spcPct val="35000"/>
-              </a:spcAft>
-            </a:pPr>
-            <a:endParaRPr lang="en-GB" sz="1000" kern="1200">
-              <a:solidFill>
-                <a:srgbClr val="34342B"/>
-              </a:solidFill>
-              <a:latin typeface="Vodafone Rg" pitchFamily="34" charset="0"/>
-              <a:ea typeface="+mn-ea"/>
-              <a:cs typeface="+mn-cs"/>
-            </a:endParaRPr>
-          </a:p>
-        </p:txBody>
-      </p:sp>
-      <p:pic>
-        <p:nvPicPr>
-          <p:cNvPr id="25" name="Picture 14" descr="Image result for openstack logo png"/>
-          <p:cNvPicPr>
-            <a:picLocks noChangeAspect="1" noChangeArrowheads="1"/>
-          </p:cNvPicPr>
-          <p:nvPr/>
-        </p:nvPicPr>
-        <p:blipFill>
-          <a:blip r:embed="rId7" cstate="print">
-            <a:extLst>
-              <a:ext uri="{28A0092B-C50C-407E-A947-70E740481C1C}">
-                <a14:useLocalDpi xmlns:a14="http://schemas.microsoft.com/office/drawing/2010/main" val="0"/>
-              </a:ext>
-            </a:extLst>
-          </a:blip>
-          <a:srcRect/>
-          <a:stretch>
-            <a:fillRect/>
-          </a:stretch>
-        </p:blipFill>
-        <p:spPr bwMode="auto">
-          <a:xfrm>
-            <a:off x="4526599" y="4707655"/>
-            <a:ext cx="535783" cy="204399"/>
-          </a:xfrm>
-          <a:prstGeom prst="rect">
-            <a:avLst/>
-          </a:prstGeom>
-          <a:noFill/>
-          <a:extLst>
-            <a:ext uri="{909E8E84-426E-40DD-AFC4-6F175D3DCCD1}">
-              <a14:hiddenFill xmlns:a14="http://schemas.microsoft.com/office/drawing/2010/main">
-                <a:solidFill>
-                  <a:srgbClr val="FFFFFF"/>
-                </a:solidFill>
-              </a14:hiddenFill>
-            </a:ext>
-          </a:extLst>
-        </p:spPr>
-      </p:pic>
-      <p:sp>
-        <p:nvSpPr>
-          <p:cNvPr id="26" name="TextBox 25"/>
-          <p:cNvSpPr txBox="1"/>
-          <p:nvPr/>
-        </p:nvSpPr>
-        <p:spPr>
-          <a:xfrm>
-            <a:off x="4541352" y="4894745"/>
-            <a:ext cx="621267" cy="188736"/>
-          </a:xfrm>
-          <a:prstGeom prst="rect">
-            <a:avLst/>
-          </a:prstGeom>
-        </p:spPr>
-        <p:txBody>
-          <a:bodyPr wrap="square" lIns="0" tIns="0" rIns="0" bIns="0" rtlCol="0">
-            <a:noAutofit/>
-          </a:bodyPr>
-          <a:lstStyle/>
-          <a:p>
-            <a:pPr marL="0" indent="0">
-              <a:buFont typeface="Arial" pitchFamily="34" charset="0"/>
-              <a:buNone/>
-            </a:pPr>
-            <a:r>
-              <a:rPr lang="en-GB" sz="1000">
-                <a:latin typeface="Vodafone Rg" pitchFamily="34" charset="0"/>
-              </a:rPr>
-              <a:t>Neutron</a:t>
-            </a:r>
-          </a:p>
-        </p:txBody>
-      </p:sp>
-      <p:sp>
-        <p:nvSpPr>
-          <p:cNvPr id="27" name="TextBox 26"/>
-          <p:cNvSpPr txBox="1"/>
-          <p:nvPr/>
-        </p:nvSpPr>
-        <p:spPr>
-          <a:xfrm>
-            <a:off x="6075370" y="4825606"/>
-            <a:ext cx="360382" cy="188736"/>
-          </a:xfrm>
-          <a:prstGeom prst="rect">
-            <a:avLst/>
-          </a:prstGeom>
-        </p:spPr>
-        <p:txBody>
-          <a:bodyPr wrap="square" lIns="0" tIns="0" rIns="0" bIns="0" rtlCol="0">
-            <a:noAutofit/>
-          </a:bodyPr>
-          <a:lstStyle/>
-          <a:p>
-            <a:pPr marL="0" indent="0">
-              <a:buFont typeface="Arial" pitchFamily="34" charset="0"/>
-              <a:buNone/>
-            </a:pPr>
-            <a:r>
-              <a:rPr lang="en-GB" sz="1000">
-                <a:latin typeface="Vodafone Rg" pitchFamily="34" charset="0"/>
-              </a:rPr>
-              <a:t>NSX</a:t>
-            </a:r>
-          </a:p>
-        </p:txBody>
-      </p:sp>
-      <p:sp>
-        <p:nvSpPr>
-          <p:cNvPr id="28" name="Rounded Rectangle 20"/>
-          <p:cNvSpPr/>
-          <p:nvPr/>
-        </p:nvSpPr>
-        <p:spPr>
-          <a:xfrm>
-            <a:off x="6648269" y="4668349"/>
-            <a:ext cx="2064797" cy="375826"/>
-          </a:xfrm>
-          <a:prstGeom prst="roundRect">
-            <a:avLst>
-              <a:gd name="adj" fmla="val 0"/>
-            </a:avLst>
-          </a:prstGeom>
-          <a:solidFill>
-            <a:schemeClr val="accent4">
-              <a:alpha val="50000"/>
-            </a:schemeClr>
-          </a:solidFill>
-          <a:ln>
-            <a:noFill/>
-          </a:ln>
-        </p:spPr>
-        <p:style>
-          <a:lnRef idx="0">
-            <a:scrgbClr r="0" g="0" b="0"/>
-          </a:lnRef>
-          <a:fillRef idx="0">
-            <a:scrgbClr r="0" g="0" b="0"/>
-          </a:fillRef>
-          <a:effectRef idx="0">
-            <a:scrgbClr r="0" g="0" b="0"/>
-          </a:effectRef>
-          <a:fontRef idx="minor">
-            <a:schemeClr val="lt1"/>
-          </a:fontRef>
-        </p:style>
-        <p:txBody>
-          <a:bodyPr vert="horz" wrap="square" lIns="72000" tIns="72000" rIns="72000" bIns="72000" rtlCol="0" anchor="ctr" anchorCtr="0">
-            <a:noAutofit/>
-          </a:bodyPr>
-          <a:lstStyle/>
-          <a:p>
-            <a:pPr algn="ctr">
-              <a:buClr>
-                <a:srgbClr val="E60000"/>
-              </a:buClr>
-            </a:pPr>
-            <a:r>
-              <a:rPr lang="en-GB" sz="1000" b="1">
-                <a:solidFill>
-                  <a:schemeClr val="tx1"/>
-                </a:solidFill>
-                <a:cs typeface="Arial" panose="020B0604020202020204" pitchFamily="34" charset="0"/>
-              </a:rPr>
-              <a:t>Virtual</a:t>
-            </a:r>
-          </a:p>
-          <a:p>
-            <a:pPr algn="ctr">
-              <a:buClr>
-                <a:srgbClr val="E60000"/>
-              </a:buClr>
-            </a:pPr>
-            <a:r>
-              <a:rPr lang="en-GB" sz="1000" b="1">
-                <a:solidFill>
-                  <a:schemeClr val="tx1"/>
-                </a:solidFill>
-                <a:cs typeface="Arial" panose="020B0604020202020204" pitchFamily="34" charset="0"/>
-              </a:rPr>
-              <a:t>Network</a:t>
-            </a:r>
-          </a:p>
-        </p:txBody>
-      </p:sp>
-      <p:sp>
-        <p:nvSpPr>
-          <p:cNvPr id="29" name="Rectangle 28"/>
-          <p:cNvSpPr/>
-          <p:nvPr/>
-        </p:nvSpPr>
-        <p:spPr>
-          <a:xfrm>
-            <a:off x="6648270" y="4668348"/>
-            <a:ext cx="2064796" cy="386116"/>
-          </a:xfrm>
-          <a:prstGeom prst="rect">
-            <a:avLst/>
-          </a:prstGeom>
-          <a:noFill/>
-          <a:ln w="57150" cap="flat" cmpd="sng" algn="ctr">
-            <a:solidFill>
-              <a:schemeClr val="accent1"/>
-            </a:solidFill>
-            <a:prstDash val="solid"/>
-          </a:ln>
-          <a:effectLst/>
-        </p:spPr>
-        <p:style>
-          <a:lnRef idx="2">
-            <a:scrgbClr r="0" g="0" b="0"/>
-          </a:lnRef>
-          <a:fillRef idx="1">
-            <a:scrgbClr r="0" g="0" b="0"/>
-          </a:fillRef>
-          <a:effectRef idx="0">
-            <a:scrgbClr r="0" g="0" b="0"/>
-          </a:effectRef>
-          <a:fontRef idx="minor">
-            <a:schemeClr val="lt1"/>
-          </a:fontRef>
-        </p:style>
-        <p:txBody>
-          <a:bodyPr spcFirstLastPara="0" vert="horz" wrap="square" lIns="6350" tIns="6350" rIns="6350" bIns="6350" numCol="1" spcCol="1270" rtlCol="0" anchor="ctr" anchorCtr="0">
-            <a:noAutofit/>
-          </a:bodyPr>
-          <a:lstStyle/>
-          <a:p>
-            <a:pPr algn="ctr" defTabSz="444500">
-              <a:lnSpc>
-                <a:spcPct val="90000"/>
-              </a:lnSpc>
-              <a:spcBef>
-                <a:spcPct val="0"/>
-              </a:spcBef>
-              <a:spcAft>
-                <a:spcPct val="35000"/>
-              </a:spcAft>
-            </a:pPr>
-            <a:endParaRPr lang="en-GB" sz="1000" kern="1200">
-              <a:solidFill>
-                <a:srgbClr val="34342B"/>
-              </a:solidFill>
-              <a:latin typeface="Vodafone Rg" pitchFamily="34" charset="0"/>
-              <a:ea typeface="+mn-ea"/>
-              <a:cs typeface="+mn-cs"/>
-            </a:endParaRPr>
-          </a:p>
-        </p:txBody>
-      </p:sp>
-      <p:grpSp>
-        <p:nvGrpSpPr>
-          <p:cNvPr id="30" name="Group 29"/>
-          <p:cNvGrpSpPr/>
-          <p:nvPr/>
-        </p:nvGrpSpPr>
-        <p:grpSpPr>
-          <a:xfrm>
-            <a:off x="5826721" y="4742986"/>
-            <a:ext cx="529078" cy="226551"/>
-            <a:chOff x="2396603" y="2632554"/>
-            <a:chExt cx="454348" cy="224089"/>
-          </a:xfrm>
-        </p:grpSpPr>
-        <p:pic>
-          <p:nvPicPr>
-            <p:cNvPr id="31" name="Picture 30"/>
-            <p:cNvPicPr>
-              <a:picLocks noChangeAspect="1"/>
-            </p:cNvPicPr>
-            <p:nvPr/>
-          </p:nvPicPr>
-          <p:blipFill rotWithShape="1">
-            <a:blip r:embed="rId8" cstate="print">
-              <a:extLst>
-                <a:ext uri="{28A0092B-C50C-407E-A947-70E740481C1C}">
-                  <a14:useLocalDpi xmlns:a14="http://schemas.microsoft.com/office/drawing/2010/main" val="0"/>
-                </a:ext>
-              </a:extLst>
-            </a:blip>
-            <a:srcRect t="46424"/>
-            <a:stretch/>
-          </p:blipFill>
-          <p:spPr>
-            <a:xfrm>
-              <a:off x="2396603" y="2632554"/>
-              <a:ext cx="454348" cy="92128"/>
-            </a:xfrm>
-            <a:prstGeom prst="rect">
-              <a:avLst/>
-            </a:prstGeom>
-          </p:spPr>
-        </p:pic>
-        <p:pic>
-          <p:nvPicPr>
-            <p:cNvPr id="32" name="Picture 31" descr="Image result for vmware esxi png">
-              <a:hlinkClick r:id="rId9"/>
-            </p:cNvPr>
-            <p:cNvPicPr>
-              <a:picLocks noChangeAspect="1" noChangeArrowheads="1"/>
-            </p:cNvPicPr>
-            <p:nvPr/>
-          </p:nvPicPr>
-          <p:blipFill>
-            <a:blip r:embed="rId10" cstate="print">
-              <a:extLst>
-                <a:ext uri="{28A0092B-C50C-407E-A947-70E740481C1C}">
-                  <a14:useLocalDpi xmlns:a14="http://schemas.microsoft.com/office/drawing/2010/main" val="0"/>
-                </a:ext>
-              </a:extLst>
-            </a:blip>
-            <a:srcRect/>
-            <a:stretch>
-              <a:fillRect/>
-            </a:stretch>
-          </p:blipFill>
-          <p:spPr bwMode="auto">
-            <a:xfrm>
-              <a:off x="2456884" y="2717710"/>
-              <a:ext cx="149889" cy="138933"/>
-            </a:xfrm>
-            <a:prstGeom prst="rect">
-              <a:avLst/>
-            </a:prstGeom>
-            <a:noFill/>
-            <a:extLst>
-              <a:ext uri="{909E8E84-426E-40DD-AFC4-6F175D3DCCD1}">
-                <a14:hiddenFill xmlns:a14="http://schemas.microsoft.com/office/drawing/2010/main">
-                  <a:solidFill>
-                    <a:srgbClr val="FFFFFF"/>
-                  </a:solidFill>
-                </a14:hiddenFill>
-              </a:ext>
-            </a:extLst>
-          </p:spPr>
-        </p:pic>
-      </p:grpSp>
-      <p:grpSp>
-        <p:nvGrpSpPr>
-          <p:cNvPr id="33" name="Group 32"/>
-          <p:cNvGrpSpPr/>
-          <p:nvPr/>
-        </p:nvGrpSpPr>
-        <p:grpSpPr>
-          <a:xfrm>
-            <a:off x="8232986" y="4723275"/>
-            <a:ext cx="371465" cy="296168"/>
-            <a:chOff x="2917951" y="3827608"/>
-            <a:chExt cx="715901" cy="401493"/>
-          </a:xfrm>
-        </p:grpSpPr>
-        <p:pic>
-          <p:nvPicPr>
-            <p:cNvPr id="34" name="Picture 33" descr="https://www.sdxcentral.com/wp-content/uploads/2015/07/nuage_v_colour_RGB_med-300x202.png"/>
-            <p:cNvPicPr>
-              <a:picLocks noChangeAspect="1" noChangeArrowheads="1"/>
-            </p:cNvPicPr>
-            <p:nvPr/>
-          </p:nvPicPr>
-          <p:blipFill rotWithShape="1">
-            <a:blip r:embed="rId11" cstate="print">
-              <a:extLst>
-                <a:ext uri="{28A0092B-C50C-407E-A947-70E740481C1C}">
-                  <a14:useLocalDpi xmlns:a14="http://schemas.microsoft.com/office/drawing/2010/main" val="0"/>
-                </a:ext>
-              </a:extLst>
-            </a:blip>
-            <a:srcRect l="8887" t="11115" r="9358" b="23530"/>
-            <a:stretch/>
-          </p:blipFill>
-          <p:spPr bwMode="auto">
-            <a:xfrm>
-              <a:off x="2967037" y="3960019"/>
-              <a:ext cx="638175" cy="269082"/>
-            </a:xfrm>
-            <a:prstGeom prst="rect">
-              <a:avLst/>
-            </a:prstGeom>
-            <a:noFill/>
-            <a:extLst>
-              <a:ext uri="{909E8E84-426E-40DD-AFC4-6F175D3DCCD1}">
-                <a14:hiddenFill xmlns:a14="http://schemas.microsoft.com/office/drawing/2010/main">
-                  <a:solidFill>
-                    <a:srgbClr val="FFFFFF"/>
-                  </a:solidFill>
-                </a14:hiddenFill>
-              </a:ext>
-            </a:extLst>
-          </p:spPr>
-        </p:pic>
-        <p:pic>
-          <p:nvPicPr>
-            <p:cNvPr id="35" name="Picture 34" descr="Image result for nokia png">
-              <a:hlinkClick r:id="rId12"/>
-            </p:cNvPr>
-            <p:cNvPicPr>
-              <a:picLocks noChangeAspect="1" noChangeArrowheads="1"/>
-            </p:cNvPicPr>
-            <p:nvPr/>
-          </p:nvPicPr>
-          <p:blipFill rotWithShape="1">
-            <a:blip r:embed="rId13" cstate="print">
-              <a:extLst>
-                <a:ext uri="{28A0092B-C50C-407E-A947-70E740481C1C}">
-                  <a14:useLocalDpi xmlns:a14="http://schemas.microsoft.com/office/drawing/2010/main" val="0"/>
-                </a:ext>
-              </a:extLst>
-            </a:blip>
-            <a:srcRect t="36273" b="37119"/>
-            <a:stretch/>
-          </p:blipFill>
-          <p:spPr bwMode="auto">
-            <a:xfrm>
-              <a:off x="2917951" y="3827608"/>
-              <a:ext cx="715901" cy="132507"/>
-            </a:xfrm>
-            <a:prstGeom prst="rect">
-              <a:avLst/>
-            </a:prstGeom>
-            <a:noFill/>
-            <a:extLst>
-              <a:ext uri="{909E8E84-426E-40DD-AFC4-6F175D3DCCD1}">
-                <a14:hiddenFill xmlns:a14="http://schemas.microsoft.com/office/drawing/2010/main">
-                  <a:solidFill>
-                    <a:srgbClr val="FFFFFF"/>
-                  </a:solidFill>
-                </a14:hiddenFill>
-              </a:ext>
-            </a:extLst>
-          </p:spPr>
-        </p:pic>
-      </p:grpSp>
-      <p:grpSp>
-        <p:nvGrpSpPr>
-          <p:cNvPr id="36" name="Group 35"/>
-          <p:cNvGrpSpPr/>
-          <p:nvPr/>
-        </p:nvGrpSpPr>
-        <p:grpSpPr>
-          <a:xfrm>
-            <a:off x="6758247" y="4733997"/>
-            <a:ext cx="496432" cy="263898"/>
-            <a:chOff x="5367166" y="1514822"/>
-            <a:chExt cx="418805" cy="263898"/>
-          </a:xfrm>
-        </p:grpSpPr>
-        <p:pic>
-          <p:nvPicPr>
-            <p:cNvPr id="37" name="Picture 36" descr="http://www.channelbiz.co.uk/wp-content/uploads/2013/01/juniper-networks-blue-png.png"/>
-            <p:cNvPicPr>
-              <a:picLocks noChangeAspect="1" noChangeArrowheads="1"/>
-            </p:cNvPicPr>
-            <p:nvPr/>
-          </p:nvPicPr>
-          <p:blipFill rotWithShape="1">
-            <a:blip r:embed="rId14" cstate="print">
-              <a:extLst>
-                <a:ext uri="{28A0092B-C50C-407E-A947-70E740481C1C}">
-                  <a14:useLocalDpi xmlns:a14="http://schemas.microsoft.com/office/drawing/2010/main" val="0"/>
-                </a:ext>
-              </a:extLst>
-            </a:blip>
-            <a:srcRect l="4854" t="5220" r="4624" b="11701"/>
-            <a:stretch/>
-          </p:blipFill>
-          <p:spPr bwMode="auto">
-            <a:xfrm>
-              <a:off x="5367166" y="1514822"/>
-              <a:ext cx="418805" cy="157052"/>
-            </a:xfrm>
-            <a:prstGeom prst="rect">
-              <a:avLst/>
-            </a:prstGeom>
-            <a:noFill/>
-            <a:extLst>
-              <a:ext uri="{909E8E84-426E-40DD-AFC4-6F175D3DCCD1}">
-                <a14:hiddenFill xmlns:a14="http://schemas.microsoft.com/office/drawing/2010/main">
-                  <a:solidFill>
-                    <a:srgbClr val="FFFFFF"/>
-                  </a:solidFill>
-                </a14:hiddenFill>
-              </a:ext>
-            </a:extLst>
-          </p:spPr>
-        </p:pic>
-        <p:sp>
-          <p:nvSpPr>
-            <p:cNvPr id="38" name="TextBox 159"/>
-            <p:cNvSpPr txBox="1"/>
-            <p:nvPr/>
-          </p:nvSpPr>
-          <p:spPr>
-            <a:xfrm>
-              <a:off x="5388091" y="1657709"/>
-              <a:ext cx="304895" cy="121011"/>
-            </a:xfrm>
-            <a:prstGeom prst="rect">
-              <a:avLst/>
-            </a:prstGeom>
-          </p:spPr>
-          <p:txBody>
-            <a:bodyPr wrap="square" lIns="0" tIns="0" rIns="0" bIns="0" rtlCol="0">
-              <a:noAutofit/>
-            </a:bodyPr>
-            <a:lstStyle>
-              <a:defPPr>
-                <a:defRPr lang="en-US"/>
-              </a:defPPr>
-              <a:lvl1pPr marL="0" algn="l" defTabSz="914400" rtl="0" eaLnBrk="1" latinLnBrk="0" hangingPunct="1">
-                <a:defRPr sz="1800" kern="1200">
-                  <a:solidFill>
-                    <a:schemeClr val="tx1"/>
-                  </a:solidFill>
-                  <a:latin typeface="+mn-lt"/>
-                  <a:ea typeface="+mn-ea"/>
-                  <a:cs typeface="+mn-cs"/>
-                </a:defRPr>
-              </a:lvl1pPr>
-              <a:lvl2pPr marL="457200" algn="l" defTabSz="914400" rtl="0" eaLnBrk="1" latinLnBrk="0" hangingPunct="1">
-                <a:defRPr sz="1800" kern="1200">
-                  <a:solidFill>
-                    <a:schemeClr val="tx1"/>
-                  </a:solidFill>
-                  <a:latin typeface="+mn-lt"/>
-                  <a:ea typeface="+mn-ea"/>
-                  <a:cs typeface="+mn-cs"/>
-                </a:defRPr>
-              </a:lvl2pPr>
-              <a:lvl3pPr marL="914400" algn="l" defTabSz="914400" rtl="0" eaLnBrk="1" latinLnBrk="0" hangingPunct="1">
-                <a:defRPr sz="1800" kern="1200">
-                  <a:solidFill>
-                    <a:schemeClr val="tx1"/>
-                  </a:solidFill>
-                  <a:latin typeface="+mn-lt"/>
-                  <a:ea typeface="+mn-ea"/>
-                  <a:cs typeface="+mn-cs"/>
-                </a:defRPr>
-              </a:lvl3pPr>
-              <a:lvl4pPr marL="1371600" algn="l" defTabSz="914400" rtl="0" eaLnBrk="1" latinLnBrk="0" hangingPunct="1">
-                <a:defRPr sz="1800" kern="1200">
-                  <a:solidFill>
-                    <a:schemeClr val="tx1"/>
-                  </a:solidFill>
-                  <a:latin typeface="+mn-lt"/>
-                  <a:ea typeface="+mn-ea"/>
-                  <a:cs typeface="+mn-cs"/>
-                </a:defRPr>
-              </a:lvl4pPr>
-              <a:lvl5pPr marL="1828800" algn="l" defTabSz="914400" rtl="0" eaLnBrk="1" latinLnBrk="0" hangingPunct="1">
-                <a:defRPr sz="1800" kern="1200">
-                  <a:solidFill>
-                    <a:schemeClr val="tx1"/>
-                  </a:solidFill>
-                  <a:latin typeface="+mn-lt"/>
-                  <a:ea typeface="+mn-ea"/>
-                  <a:cs typeface="+mn-cs"/>
-                </a:defRPr>
-              </a:lvl5pPr>
-              <a:lvl6pPr marL="2286000" algn="l" defTabSz="914400" rtl="0" eaLnBrk="1" latinLnBrk="0" hangingPunct="1">
-                <a:defRPr sz="1800" kern="1200">
-                  <a:solidFill>
-                    <a:schemeClr val="tx1"/>
-                  </a:solidFill>
-                  <a:latin typeface="+mn-lt"/>
-                  <a:ea typeface="+mn-ea"/>
-                  <a:cs typeface="+mn-cs"/>
-                </a:defRPr>
-              </a:lvl6pPr>
-              <a:lvl7pPr marL="2743200" algn="l" defTabSz="914400" rtl="0" eaLnBrk="1" latinLnBrk="0" hangingPunct="1">
-                <a:defRPr sz="1800" kern="1200">
-                  <a:solidFill>
-                    <a:schemeClr val="tx1"/>
-                  </a:solidFill>
-                  <a:latin typeface="+mn-lt"/>
-                  <a:ea typeface="+mn-ea"/>
-                  <a:cs typeface="+mn-cs"/>
-                </a:defRPr>
-              </a:lvl7pPr>
-              <a:lvl8pPr marL="3200400" algn="l" defTabSz="914400" rtl="0" eaLnBrk="1" latinLnBrk="0" hangingPunct="1">
-                <a:defRPr sz="1800" kern="1200">
-                  <a:solidFill>
-                    <a:schemeClr val="tx1"/>
-                  </a:solidFill>
-                  <a:latin typeface="+mn-lt"/>
-                  <a:ea typeface="+mn-ea"/>
-                  <a:cs typeface="+mn-cs"/>
-                </a:defRPr>
-              </a:lvl8pPr>
-              <a:lvl9pPr marL="3657600" algn="l" defTabSz="914400" rtl="0" eaLnBrk="1" latinLnBrk="0" hangingPunct="1">
-                <a:defRPr sz="1800" kern="1200">
-                  <a:solidFill>
-                    <a:schemeClr val="tx1"/>
-                  </a:solidFill>
-                  <a:latin typeface="+mn-lt"/>
-                  <a:ea typeface="+mn-ea"/>
-                  <a:cs typeface="+mn-cs"/>
-                </a:defRPr>
-              </a:lvl9pPr>
-            </a:lstStyle>
-            <a:p>
-              <a:pPr marL="0" marR="0" lvl="0" indent="0" algn="l" defTabSz="914400" rtl="0" eaLnBrk="1" fontAlgn="auto" latinLnBrk="0" hangingPunct="1">
-                <a:lnSpc>
-                  <a:spcPct val="100000"/>
-                </a:lnSpc>
-                <a:spcBef>
-                  <a:spcPts val="0"/>
-                </a:spcBef>
-                <a:spcAft>
-                  <a:spcPts val="0"/>
-                </a:spcAft>
-                <a:buClrTx/>
-                <a:buSzTx/>
-                <a:buFontTx/>
-                <a:buNone/>
-                <a:tabLst/>
-                <a:defRPr/>
-              </a:pPr>
-              <a:r>
-                <a:rPr kumimoji="0" lang="en-GB" sz="600" b="0" i="0" u="none" strike="noStrike" kern="1200" cap="none" spc="0" normalizeH="0" baseline="0" noProof="0">
-                  <a:ln>
-                    <a:noFill/>
-                  </a:ln>
-                  <a:solidFill>
-                    <a:srgbClr val="5383AB"/>
-                  </a:solidFill>
-                  <a:effectLst/>
-                  <a:uLnTx/>
-                  <a:uFillTx/>
-                  <a:latin typeface="Vodafone Rg" pitchFamily="34" charset="0"/>
-                  <a:ea typeface="+mn-ea"/>
-                  <a:cs typeface="+mn-cs"/>
-                </a:rPr>
-                <a:t>Contrail</a:t>
-              </a:r>
-            </a:p>
-          </p:txBody>
-        </p:sp>
-      </p:grpSp>
-    </p:spTree>
-    <p:extLst>
-      <p:ext uri="{BB962C8B-B14F-4D97-AF65-F5344CB8AC3E}">
-        <p14:creationId xmlns:p14="http://schemas.microsoft.com/office/powerpoint/2010/main" val="872086625"/>
-      </p:ext>
-    </p:extLst>
-  </p:cSld>
-  <p:clrMapOvr>
-    <a:masterClrMapping/>
-  </p:clrMapOvr>
-  <p:timing>
-    <p:tnLst>
-      <p:par>
-        <p:cTn id="1" dur="indefinite" restart="never" nodeType="tmRoot"/>
-      </p:par>
-    </p:tnLst>
-  </p:timing>
-</p:sld>
-</file>
-
-<file path=ppt/slides/slide16.xml><?xml version="1.0" encoding="utf-8"?>
-<p:sld xmlns:a="http://schemas.openxmlformats.org/drawingml/2006/main" xmlns:r="http://schemas.openxmlformats.org/officeDocument/2006/relationships" xmlns:p="http://schemas.openxmlformats.org/presentationml/2006/main">
-  <p:cSld>
-    <p:spTree>
-      <p:nvGrpSpPr>
-        <p:cNvPr id="1" name=""/>
-        <p:cNvGrpSpPr/>
-        <p:nvPr/>
-      </p:nvGrpSpPr>
-      <p:grpSpPr>
-        <a:xfrm>
-          <a:off x="0" y="0"/>
-          <a:ext cx="0" cy="0"/>
-          <a:chOff x="0" y="0"/>
-          <a:chExt cx="0" cy="0"/>
-        </a:xfrm>
-      </p:grpSpPr>
-      <p:sp>
-        <p:nvSpPr>
-          <p:cNvPr id="19" name="Title 1"/>
-          <p:cNvSpPr>
-            <a:spLocks noGrp="1"/>
-          </p:cNvSpPr>
-          <p:nvPr>
-            <p:ph type="title"/>
-          </p:nvPr>
-        </p:nvSpPr>
-        <p:spPr>
-          <a:xfrm>
-            <a:off x="467810" y="260953"/>
-            <a:ext cx="10515600" cy="676597"/>
-          </a:xfrm>
-        </p:spPr>
-        <p:txBody>
-          <a:bodyPr>
-            <a:normAutofit fontScale="90000"/>
-          </a:bodyPr>
-          <a:lstStyle/>
-          <a:p>
-            <a:r>
-              <a:rPr lang="en-GB" dirty="0" smtClean="0"/>
-              <a:t>Software Terminologies</a:t>
-            </a:r>
-            <a:endParaRPr lang="en-GB" dirty="0"/>
-          </a:p>
-        </p:txBody>
-      </p:sp>
-      <p:grpSp>
-        <p:nvGrpSpPr>
-          <p:cNvPr id="65" name="Group 64"/>
-          <p:cNvGrpSpPr/>
-          <p:nvPr/>
-        </p:nvGrpSpPr>
-        <p:grpSpPr>
-          <a:xfrm>
-            <a:off x="2884441" y="1572114"/>
-            <a:ext cx="7164802" cy="3913535"/>
-            <a:chOff x="2869229" y="1636029"/>
-            <a:chExt cx="7164802" cy="3913535"/>
-          </a:xfrm>
-        </p:grpSpPr>
-        <p:sp>
-          <p:nvSpPr>
-            <p:cNvPr id="64" name="Rectangle 63"/>
-            <p:cNvSpPr/>
-            <p:nvPr/>
-          </p:nvSpPr>
-          <p:spPr>
-            <a:xfrm>
-              <a:off x="3308728" y="1636029"/>
-              <a:ext cx="6708075" cy="1118993"/>
-            </a:xfrm>
-            <a:prstGeom prst="rect">
-              <a:avLst/>
-            </a:prstGeom>
-            <a:solidFill>
-              <a:schemeClr val="accent6">
-                <a:lumMod val="75000"/>
-                <a:alpha val="50000"/>
-              </a:schemeClr>
-            </a:solidFill>
-            <a:ln>
-              <a:noFill/>
-            </a:ln>
-          </p:spPr>
-          <p:style>
-            <a:lnRef idx="0">
-              <a:scrgbClr r="0" g="0" b="0"/>
-            </a:lnRef>
-            <a:fillRef idx="0">
-              <a:scrgbClr r="0" g="0" b="0"/>
-            </a:fillRef>
-            <a:effectRef idx="0">
-              <a:scrgbClr r="0" g="0" b="0"/>
-            </a:effectRef>
-            <a:fontRef idx="minor">
-              <a:schemeClr val="lt1"/>
-            </a:fontRef>
-          </p:style>
-          <p:txBody>
-            <a:bodyPr rtlCol="0" anchor="ctr"/>
-            <a:lstStyle/>
-            <a:p>
-              <a:pPr algn="ctr"/>
-              <a:endParaRPr lang="en-GB"/>
-            </a:p>
-          </p:txBody>
-        </p:sp>
-        <p:sp>
-          <p:nvSpPr>
-            <p:cNvPr id="45" name="Rectangle 44"/>
-            <p:cNvSpPr/>
-            <p:nvPr/>
-          </p:nvSpPr>
-          <p:spPr>
-            <a:xfrm>
-              <a:off x="3325956" y="2756243"/>
-              <a:ext cx="6708075" cy="1572474"/>
-            </a:xfrm>
-            <a:prstGeom prst="rect">
-              <a:avLst/>
-            </a:prstGeom>
-            <a:solidFill>
-              <a:schemeClr val="accent6">
-                <a:lumMod val="60000"/>
-                <a:lumOff val="40000"/>
-                <a:alpha val="50000"/>
-              </a:schemeClr>
-            </a:solidFill>
-            <a:ln>
-              <a:noFill/>
-            </a:ln>
-          </p:spPr>
-          <p:style>
-            <a:lnRef idx="0">
-              <a:scrgbClr r="0" g="0" b="0"/>
-            </a:lnRef>
-            <a:fillRef idx="0">
-              <a:scrgbClr r="0" g="0" b="0"/>
-            </a:fillRef>
-            <a:effectRef idx="0">
-              <a:scrgbClr r="0" g="0" b="0"/>
-            </a:effectRef>
-            <a:fontRef idx="minor">
-              <a:schemeClr val="lt1"/>
-            </a:fontRef>
-          </p:style>
-          <p:txBody>
-            <a:bodyPr rtlCol="0" anchor="ctr"/>
-            <a:lstStyle/>
-            <a:p>
-              <a:pPr algn="ctr"/>
-              <a:endParaRPr lang="en-GB"/>
-            </a:p>
-          </p:txBody>
-        </p:sp>
-        <p:sp>
-          <p:nvSpPr>
-            <p:cNvPr id="21" name="Rectangle 20"/>
-            <p:cNvSpPr/>
-            <p:nvPr/>
-          </p:nvSpPr>
-          <p:spPr>
-            <a:xfrm>
-              <a:off x="3310429" y="4328718"/>
-              <a:ext cx="6723602" cy="1209676"/>
-            </a:xfrm>
-            <a:prstGeom prst="rect">
-              <a:avLst/>
-            </a:prstGeom>
-            <a:solidFill>
-              <a:schemeClr val="accent6">
-                <a:lumMod val="60000"/>
-                <a:lumOff val="40000"/>
-              </a:schemeClr>
-            </a:solidFill>
-            <a:ln>
-              <a:noFill/>
-            </a:ln>
-          </p:spPr>
-          <p:style>
-            <a:lnRef idx="2">
-              <a:schemeClr val="accent1">
-                <a:shade val="50000"/>
-              </a:schemeClr>
-            </a:lnRef>
-            <a:fillRef idx="1">
-              <a:schemeClr val="accent1"/>
-            </a:fillRef>
-            <a:effectRef idx="0">
-              <a:schemeClr val="accent1"/>
-            </a:effectRef>
-            <a:fontRef idx="minor">
-              <a:schemeClr val="lt1"/>
-            </a:fontRef>
-          </p:style>
-          <p:txBody>
-            <a:bodyPr rtlCol="0" anchor="ctr"/>
-            <a:lstStyle/>
-            <a:p>
-              <a:pPr algn="ctr"/>
-              <a:endParaRPr lang="en-GB"/>
-            </a:p>
-          </p:txBody>
-        </p:sp>
-        <p:sp>
-          <p:nvSpPr>
-            <p:cNvPr id="3" name="Rounded Rectangle 2"/>
-            <p:cNvSpPr/>
-            <p:nvPr/>
-          </p:nvSpPr>
-          <p:spPr>
-            <a:xfrm>
-              <a:off x="3676331" y="2919835"/>
-              <a:ext cx="704850" cy="306847"/>
-            </a:xfrm>
-            <a:prstGeom prst="roundRect">
-              <a:avLst/>
-            </a:prstGeom>
-            <a:solidFill>
-              <a:srgbClr val="D4E8C6"/>
-            </a:solidFill>
-            <a:ln>
-              <a:solidFill>
-                <a:schemeClr val="tx1"/>
-              </a:solidFill>
-            </a:ln>
-          </p:spPr>
-          <p:style>
-            <a:lnRef idx="2">
-              <a:schemeClr val="accent1">
-                <a:shade val="50000"/>
-              </a:schemeClr>
-            </a:lnRef>
-            <a:fillRef idx="1">
-              <a:schemeClr val="accent1"/>
-            </a:fillRef>
-            <a:effectRef idx="0">
-              <a:schemeClr val="accent1"/>
-            </a:effectRef>
-            <a:fontRef idx="minor">
-              <a:schemeClr val="lt1"/>
-            </a:fontRef>
-          </p:style>
-          <p:txBody>
-            <a:bodyPr rtlCol="0" anchor="ctr"/>
-            <a:lstStyle/>
-            <a:p>
-              <a:pPr algn="ctr"/>
-              <a:r>
-                <a:rPr lang="en-GB" sz="1600" dirty="0" err="1" smtClean="0">
-                  <a:solidFill>
-                    <a:schemeClr val="tx1"/>
-                  </a:solidFill>
-                </a:rPr>
-                <a:t>vApp</a:t>
-              </a:r>
-              <a:endParaRPr lang="en-GB" sz="1600" dirty="0">
-                <a:solidFill>
-                  <a:schemeClr val="tx1"/>
-                </a:solidFill>
-              </a:endParaRPr>
-            </a:p>
-          </p:txBody>
-        </p:sp>
-        <p:sp>
-          <p:nvSpPr>
-            <p:cNvPr id="39" name="Rounded Rectangle 38"/>
-            <p:cNvSpPr/>
-            <p:nvPr/>
-          </p:nvSpPr>
-          <p:spPr>
-            <a:xfrm>
-              <a:off x="4503879" y="2919835"/>
-              <a:ext cx="704850" cy="314336"/>
-            </a:xfrm>
-            <a:prstGeom prst="roundRect">
-              <a:avLst/>
-            </a:prstGeom>
-            <a:solidFill>
-              <a:srgbClr val="D4E8C6"/>
-            </a:solidFill>
-            <a:ln>
-              <a:solidFill>
-                <a:schemeClr val="tx1"/>
-              </a:solidFill>
-            </a:ln>
-          </p:spPr>
-          <p:style>
-            <a:lnRef idx="2">
-              <a:schemeClr val="accent1">
-                <a:shade val="50000"/>
-              </a:schemeClr>
-            </a:lnRef>
-            <a:fillRef idx="1">
-              <a:schemeClr val="accent1"/>
-            </a:fillRef>
-            <a:effectRef idx="0">
-              <a:schemeClr val="accent1"/>
-            </a:effectRef>
-            <a:fontRef idx="minor">
-              <a:schemeClr val="lt1"/>
-            </a:fontRef>
-          </p:style>
-          <p:txBody>
-            <a:bodyPr rtlCol="0" anchor="ctr"/>
-            <a:lstStyle/>
-            <a:p>
-              <a:pPr algn="ctr"/>
-              <a:r>
-                <a:rPr lang="en-GB" sz="1600" dirty="0" smtClean="0">
-                  <a:solidFill>
-                    <a:schemeClr val="tx1"/>
-                  </a:solidFill>
-                </a:rPr>
-                <a:t>VNF</a:t>
-              </a:r>
-              <a:endParaRPr lang="en-GB" sz="1600" dirty="0">
-                <a:solidFill>
-                  <a:schemeClr val="tx1"/>
-                </a:solidFill>
-              </a:endParaRPr>
-            </a:p>
-          </p:txBody>
-        </p:sp>
-        <p:sp>
-          <p:nvSpPr>
-            <p:cNvPr id="44" name="Rounded Rectangle 43"/>
-            <p:cNvSpPr/>
-            <p:nvPr/>
-          </p:nvSpPr>
-          <p:spPr>
-            <a:xfrm>
-              <a:off x="7949198" y="2919835"/>
-              <a:ext cx="704850" cy="314336"/>
-            </a:xfrm>
-            <a:prstGeom prst="roundRect">
-              <a:avLst/>
-            </a:prstGeom>
-            <a:solidFill>
-              <a:srgbClr val="D4E8C6"/>
-            </a:solidFill>
-            <a:ln>
-              <a:solidFill>
-                <a:schemeClr val="tx1"/>
-              </a:solidFill>
-            </a:ln>
-          </p:spPr>
-          <p:style>
-            <a:lnRef idx="2">
-              <a:schemeClr val="accent1">
-                <a:shade val="50000"/>
-              </a:schemeClr>
-            </a:lnRef>
-            <a:fillRef idx="1">
-              <a:schemeClr val="accent1"/>
-            </a:fillRef>
-            <a:effectRef idx="0">
-              <a:schemeClr val="accent1"/>
-            </a:effectRef>
-            <a:fontRef idx="minor">
-              <a:schemeClr val="lt1"/>
-            </a:fontRef>
-          </p:style>
-          <p:txBody>
-            <a:bodyPr rtlCol="0" anchor="ctr"/>
-            <a:lstStyle/>
-            <a:p>
-              <a:pPr algn="ctr"/>
-              <a:r>
-                <a:rPr lang="en-GB" dirty="0">
-                  <a:solidFill>
-                    <a:schemeClr val="tx1"/>
-                  </a:solidFill>
-                </a:rPr>
-                <a:t>C</a:t>
-              </a:r>
-              <a:r>
-                <a:rPr lang="en-GB" dirty="0" smtClean="0">
-                  <a:solidFill>
-                    <a:schemeClr val="tx1"/>
-                  </a:solidFill>
-                </a:rPr>
-                <a:t>NF</a:t>
-              </a:r>
-              <a:endParaRPr lang="en-GB" dirty="0">
-                <a:solidFill>
-                  <a:schemeClr val="tx1"/>
-                </a:solidFill>
-              </a:endParaRPr>
-            </a:p>
-          </p:txBody>
-        </p:sp>
-        <p:sp>
-          <p:nvSpPr>
-            <p:cNvPr id="46" name="Rounded Rectangle 45"/>
-            <p:cNvSpPr/>
-            <p:nvPr/>
-          </p:nvSpPr>
-          <p:spPr>
-            <a:xfrm>
-              <a:off x="5466185" y="3490218"/>
-              <a:ext cx="858735" cy="485651"/>
-            </a:xfrm>
-            <a:prstGeom prst="roundRect">
-              <a:avLst/>
-            </a:prstGeom>
-            <a:solidFill>
-              <a:srgbClr val="D4E8C6"/>
-            </a:solidFill>
-            <a:ln>
-              <a:solidFill>
-                <a:schemeClr val="tx1"/>
-              </a:solidFill>
-            </a:ln>
-          </p:spPr>
-          <p:style>
-            <a:lnRef idx="2">
-              <a:schemeClr val="accent1">
-                <a:shade val="50000"/>
-              </a:schemeClr>
-            </a:lnRef>
-            <a:fillRef idx="1">
-              <a:schemeClr val="accent1"/>
-            </a:fillRef>
-            <a:effectRef idx="0">
-              <a:schemeClr val="accent1"/>
-            </a:effectRef>
-            <a:fontRef idx="minor">
-              <a:schemeClr val="lt1"/>
-            </a:fontRef>
-          </p:style>
-          <p:txBody>
-            <a:bodyPr rtlCol="0" anchor="ctr"/>
-            <a:lstStyle/>
-            <a:p>
-              <a:pPr algn="ctr"/>
-              <a:r>
-                <a:rPr lang="en-GB" dirty="0" smtClean="0">
-                  <a:solidFill>
-                    <a:schemeClr val="tx1"/>
-                  </a:solidFill>
-                </a:rPr>
-                <a:t>VM</a:t>
-              </a:r>
-              <a:endParaRPr lang="en-GB" dirty="0">
-                <a:solidFill>
-                  <a:schemeClr val="tx1"/>
-                </a:solidFill>
-              </a:endParaRPr>
-            </a:p>
-          </p:txBody>
-        </p:sp>
-        <p:cxnSp>
-          <p:nvCxnSpPr>
-            <p:cNvPr id="47" name="Straight Connector 46"/>
-            <p:cNvCxnSpPr>
-              <a:stCxn id="29" idx="2"/>
-            </p:cNvCxnSpPr>
-            <p:nvPr/>
-          </p:nvCxnSpPr>
-          <p:spPr>
-            <a:xfrm>
-              <a:off x="3425475" y="4328718"/>
-              <a:ext cx="6601939" cy="0"/>
-            </a:xfrm>
-            <a:prstGeom prst="line">
-              <a:avLst/>
-            </a:prstGeom>
-            <a:ln w="28575">
-              <a:solidFill>
-                <a:schemeClr val="tx1"/>
-              </a:solidFill>
-            </a:ln>
-          </p:spPr>
-          <p:style>
-            <a:lnRef idx="1">
-              <a:schemeClr val="accent1"/>
-            </a:lnRef>
-            <a:fillRef idx="0">
-              <a:schemeClr val="accent1"/>
-            </a:fillRef>
-            <a:effectRef idx="0">
-              <a:schemeClr val="accent1"/>
-            </a:effectRef>
-            <a:fontRef idx="minor">
-              <a:schemeClr val="tx1"/>
-            </a:fontRef>
-          </p:style>
-        </p:cxnSp>
-        <p:sp>
-          <p:nvSpPr>
-            <p:cNvPr id="48" name="Rounded Rectangle 47"/>
-            <p:cNvSpPr/>
-            <p:nvPr/>
-          </p:nvSpPr>
-          <p:spPr>
-            <a:xfrm>
-              <a:off x="3914282" y="4621820"/>
-              <a:ext cx="1533524" cy="348699"/>
-            </a:xfrm>
-            <a:prstGeom prst="roundRect">
-              <a:avLst/>
-            </a:prstGeom>
-            <a:solidFill>
-              <a:srgbClr val="A9D18E"/>
-            </a:solidFill>
-            <a:ln>
-              <a:solidFill>
-                <a:schemeClr val="tx1"/>
-              </a:solidFill>
-            </a:ln>
-          </p:spPr>
-          <p:style>
-            <a:lnRef idx="2">
-              <a:schemeClr val="accent1">
-                <a:shade val="50000"/>
-              </a:schemeClr>
-            </a:lnRef>
-            <a:fillRef idx="1">
-              <a:schemeClr val="accent1"/>
-            </a:fillRef>
-            <a:effectRef idx="0">
-              <a:schemeClr val="accent1"/>
-            </a:effectRef>
-            <a:fontRef idx="minor">
-              <a:schemeClr val="lt1"/>
-            </a:fontRef>
-          </p:style>
-          <p:txBody>
-            <a:bodyPr rtlCol="0" anchor="ctr"/>
-            <a:lstStyle/>
-            <a:p>
-              <a:pPr algn="ctr"/>
-              <a:r>
-                <a:rPr lang="en-GB" sz="1600" dirty="0" smtClean="0">
-                  <a:solidFill>
-                    <a:schemeClr val="tx1"/>
-                  </a:solidFill>
-                </a:rPr>
-                <a:t>Hypervisor</a:t>
-              </a:r>
-              <a:endParaRPr lang="en-GB" sz="1600" dirty="0">
-                <a:solidFill>
-                  <a:schemeClr val="tx1"/>
-                </a:solidFill>
-              </a:endParaRPr>
-            </a:p>
-          </p:txBody>
-        </p:sp>
-        <p:cxnSp>
-          <p:nvCxnSpPr>
-            <p:cNvPr id="50" name="Straight Connector 49"/>
-            <p:cNvCxnSpPr/>
-            <p:nvPr/>
-          </p:nvCxnSpPr>
-          <p:spPr>
-            <a:xfrm>
-              <a:off x="3425475" y="2766193"/>
-              <a:ext cx="6601939" cy="0"/>
-            </a:xfrm>
-            <a:prstGeom prst="line">
-              <a:avLst/>
-            </a:prstGeom>
-            <a:ln w="28575">
-              <a:solidFill>
-                <a:schemeClr val="tx1"/>
-              </a:solidFill>
-            </a:ln>
-          </p:spPr>
-          <p:style>
-            <a:lnRef idx="1">
-              <a:schemeClr val="accent1"/>
-            </a:lnRef>
-            <a:fillRef idx="0">
-              <a:schemeClr val="accent1"/>
-            </a:fillRef>
-            <a:effectRef idx="0">
-              <a:schemeClr val="accent1"/>
-            </a:effectRef>
-            <a:fontRef idx="minor">
-              <a:schemeClr val="tx1"/>
-            </a:fontRef>
-          </p:style>
-        </p:cxnSp>
-        <p:sp>
-          <p:nvSpPr>
-            <p:cNvPr id="61" name="Right Brace 60"/>
-            <p:cNvSpPr/>
-            <p:nvPr/>
-          </p:nvSpPr>
-          <p:spPr>
-            <a:xfrm flipH="1">
-              <a:off x="3212318" y="4328719"/>
-              <a:ext cx="204248" cy="1209675"/>
-            </a:xfrm>
-            <a:prstGeom prst="rightBrace">
-              <a:avLst/>
-            </a:prstGeom>
-            <a:ln w="28575">
-              <a:solidFill>
-                <a:schemeClr val="tx1"/>
-              </a:solidFill>
-            </a:ln>
-          </p:spPr>
-          <p:style>
-            <a:lnRef idx="1">
-              <a:schemeClr val="accent1"/>
-            </a:lnRef>
-            <a:fillRef idx="0">
-              <a:schemeClr val="accent1"/>
-            </a:fillRef>
-            <a:effectRef idx="0">
-              <a:schemeClr val="accent1"/>
-            </a:effectRef>
-            <a:fontRef idx="minor">
-              <a:schemeClr val="tx1"/>
-            </a:fontRef>
-          </p:style>
-          <p:txBody>
-            <a:bodyPr rtlCol="0" anchor="ctr"/>
-            <a:lstStyle/>
-            <a:p>
-              <a:pPr algn="ctr"/>
-              <a:endParaRPr lang="en-GB" dirty="0"/>
-            </a:p>
-          </p:txBody>
-        </p:sp>
-        <p:sp>
-          <p:nvSpPr>
-            <p:cNvPr id="62" name="TextBox 61"/>
-            <p:cNvSpPr txBox="1"/>
-            <p:nvPr/>
-          </p:nvSpPr>
-          <p:spPr>
-            <a:xfrm rot="16200000">
-              <a:off x="2380707" y="4655493"/>
-              <a:ext cx="1254044" cy="276999"/>
-            </a:xfrm>
-            <a:prstGeom prst="rect">
-              <a:avLst/>
-            </a:prstGeom>
-            <a:noFill/>
-          </p:spPr>
-          <p:txBody>
-            <a:bodyPr wrap="square" rtlCol="0">
-              <a:spAutoFit/>
-            </a:bodyPr>
-            <a:lstStyle/>
-            <a:p>
-              <a:r>
-                <a:rPr lang="en-GB" sz="1200" b="1" dirty="0" smtClean="0"/>
-                <a:t>NFVI SW Layer</a:t>
-              </a:r>
-              <a:endParaRPr lang="en-GB" sz="1200" b="1" dirty="0"/>
-            </a:p>
-          </p:txBody>
-        </p:sp>
-        <p:sp>
-          <p:nvSpPr>
-            <p:cNvPr id="25" name="Rounded Rectangle 24"/>
-            <p:cNvSpPr/>
-            <p:nvPr/>
-          </p:nvSpPr>
-          <p:spPr>
-            <a:xfrm>
-              <a:off x="5792319" y="2251873"/>
-              <a:ext cx="1760220" cy="352510"/>
-            </a:xfrm>
-            <a:prstGeom prst="roundRect">
-              <a:avLst/>
-            </a:prstGeom>
-            <a:solidFill>
-              <a:srgbClr val="A9C09A"/>
-            </a:solidFill>
-            <a:ln>
-              <a:solidFill>
-                <a:schemeClr val="tx1"/>
-              </a:solidFill>
-            </a:ln>
-          </p:spPr>
-          <p:style>
-            <a:lnRef idx="2">
-              <a:schemeClr val="accent1">
-                <a:shade val="50000"/>
-              </a:schemeClr>
-            </a:lnRef>
-            <a:fillRef idx="1">
-              <a:schemeClr val="accent1"/>
-            </a:fillRef>
-            <a:effectRef idx="0">
-              <a:schemeClr val="accent1"/>
-            </a:effectRef>
-            <a:fontRef idx="minor">
-              <a:schemeClr val="lt1"/>
-            </a:fontRef>
-          </p:style>
-          <p:txBody>
-            <a:bodyPr rtlCol="0" anchor="ctr"/>
-            <a:lstStyle/>
-            <a:p>
-              <a:pPr algn="ctr"/>
-              <a:r>
-                <a:rPr lang="en-GB" sz="1600" dirty="0" smtClean="0">
-                  <a:solidFill>
-                    <a:schemeClr val="tx1"/>
-                  </a:solidFill>
-                </a:rPr>
-                <a:t>Network Function</a:t>
-              </a:r>
-              <a:endParaRPr lang="en-GB" sz="1600" dirty="0">
-                <a:solidFill>
-                  <a:schemeClr val="tx1"/>
-                </a:solidFill>
-              </a:endParaRPr>
-            </a:p>
-          </p:txBody>
-        </p:sp>
-        <p:sp>
-          <p:nvSpPr>
-            <p:cNvPr id="26" name="Rounded Rectangle 25"/>
-            <p:cNvSpPr/>
-            <p:nvPr/>
-          </p:nvSpPr>
-          <p:spPr>
-            <a:xfrm>
-              <a:off x="5792319" y="1796744"/>
-              <a:ext cx="1760220" cy="348286"/>
-            </a:xfrm>
-            <a:prstGeom prst="roundRect">
-              <a:avLst/>
-            </a:prstGeom>
-            <a:solidFill>
-              <a:srgbClr val="A9C09A"/>
-            </a:solidFill>
-            <a:ln>
-              <a:solidFill>
-                <a:schemeClr val="tx1"/>
-              </a:solidFill>
-            </a:ln>
-          </p:spPr>
-          <p:style>
-            <a:lnRef idx="2">
-              <a:schemeClr val="accent1">
-                <a:shade val="50000"/>
-              </a:schemeClr>
-            </a:lnRef>
-            <a:fillRef idx="1">
-              <a:schemeClr val="accent1"/>
-            </a:fillRef>
-            <a:effectRef idx="0">
-              <a:schemeClr val="accent1"/>
-            </a:effectRef>
-            <a:fontRef idx="minor">
-              <a:schemeClr val="lt1"/>
-            </a:fontRef>
-          </p:style>
-          <p:txBody>
-            <a:bodyPr rtlCol="0" anchor="ctr"/>
-            <a:lstStyle/>
-            <a:p>
-              <a:pPr algn="ctr"/>
-              <a:r>
-                <a:rPr lang="en-GB" sz="1600" dirty="0" smtClean="0">
-                  <a:solidFill>
-                    <a:schemeClr val="tx1"/>
-                  </a:solidFill>
-                </a:rPr>
-                <a:t>Network Service</a:t>
-              </a:r>
-              <a:endParaRPr lang="en-GB" sz="1600" dirty="0">
-                <a:solidFill>
-                  <a:schemeClr val="tx1"/>
-                </a:solidFill>
-              </a:endParaRPr>
-            </a:p>
-          </p:txBody>
-        </p:sp>
-        <p:sp>
-          <p:nvSpPr>
-            <p:cNvPr id="27" name="Right Brace 26"/>
-            <p:cNvSpPr/>
-            <p:nvPr/>
-          </p:nvSpPr>
-          <p:spPr>
-            <a:xfrm flipH="1">
-              <a:off x="3209503" y="1636515"/>
-              <a:ext cx="213158" cy="1129678"/>
-            </a:xfrm>
-            <a:prstGeom prst="rightBrace">
-              <a:avLst/>
-            </a:prstGeom>
-            <a:ln w="28575">
-              <a:solidFill>
-                <a:schemeClr val="tx1"/>
-              </a:solidFill>
-            </a:ln>
-          </p:spPr>
-          <p:style>
-            <a:lnRef idx="1">
-              <a:schemeClr val="accent1"/>
-            </a:lnRef>
-            <a:fillRef idx="0">
-              <a:schemeClr val="accent1"/>
-            </a:fillRef>
-            <a:effectRef idx="0">
-              <a:schemeClr val="accent1"/>
-            </a:effectRef>
-            <a:fontRef idx="minor">
-              <a:schemeClr val="tx1"/>
-            </a:fontRef>
-          </p:style>
-          <p:txBody>
-            <a:bodyPr rtlCol="0" anchor="ctr"/>
-            <a:lstStyle/>
-            <a:p>
-              <a:pPr algn="ctr"/>
-              <a:endParaRPr lang="en-GB" dirty="0"/>
-            </a:p>
-          </p:txBody>
-        </p:sp>
-        <p:sp>
-          <p:nvSpPr>
-            <p:cNvPr id="28" name="TextBox 27"/>
-            <p:cNvSpPr txBox="1"/>
-            <p:nvPr/>
-          </p:nvSpPr>
-          <p:spPr>
-            <a:xfrm rot="16200000">
-              <a:off x="2471444" y="2038025"/>
-              <a:ext cx="1079053" cy="276999"/>
-            </a:xfrm>
-            <a:prstGeom prst="rect">
-              <a:avLst/>
-            </a:prstGeom>
-            <a:noFill/>
-          </p:spPr>
-          <p:txBody>
-            <a:bodyPr wrap="square" rtlCol="0">
-              <a:spAutoFit/>
-            </a:bodyPr>
-            <a:lstStyle/>
-            <a:p>
-              <a:r>
-                <a:rPr lang="en-GB" sz="1200" b="1" dirty="0" smtClean="0"/>
-                <a:t>Service Layer</a:t>
-              </a:r>
-              <a:endParaRPr lang="en-GB" sz="1200" b="1" dirty="0"/>
-            </a:p>
-          </p:txBody>
-        </p:sp>
-        <p:sp>
-          <p:nvSpPr>
-            <p:cNvPr id="29" name="Right Brace 28"/>
-            <p:cNvSpPr/>
-            <p:nvPr/>
-          </p:nvSpPr>
-          <p:spPr>
-            <a:xfrm flipH="1">
-              <a:off x="3214651" y="2766193"/>
-              <a:ext cx="210824" cy="1562525"/>
-            </a:xfrm>
-            <a:prstGeom prst="rightBrace">
-              <a:avLst/>
-            </a:prstGeom>
-            <a:ln w="28575">
-              <a:solidFill>
-                <a:schemeClr val="tx1"/>
-              </a:solidFill>
-            </a:ln>
-          </p:spPr>
-          <p:style>
-            <a:lnRef idx="1">
-              <a:schemeClr val="accent1"/>
-            </a:lnRef>
-            <a:fillRef idx="0">
-              <a:schemeClr val="accent1"/>
-            </a:fillRef>
-            <a:effectRef idx="0">
-              <a:schemeClr val="accent1"/>
-            </a:effectRef>
-            <a:fontRef idx="minor">
-              <a:schemeClr val="tx1"/>
-            </a:fontRef>
-          </p:style>
-          <p:txBody>
-            <a:bodyPr rtlCol="0" anchor="ctr"/>
-            <a:lstStyle/>
-            <a:p>
-              <a:pPr algn="ctr"/>
-              <a:endParaRPr lang="en-GB" dirty="0"/>
-            </a:p>
-          </p:txBody>
-        </p:sp>
-        <p:sp>
-          <p:nvSpPr>
-            <p:cNvPr id="30" name="TextBox 29"/>
-            <p:cNvSpPr txBox="1"/>
-            <p:nvPr/>
-          </p:nvSpPr>
-          <p:spPr>
-            <a:xfrm rot="16200000">
-              <a:off x="2357139" y="3416503"/>
-              <a:ext cx="1306097" cy="276999"/>
-            </a:xfrm>
-            <a:prstGeom prst="rect">
-              <a:avLst/>
-            </a:prstGeom>
-            <a:noFill/>
-          </p:spPr>
-          <p:txBody>
-            <a:bodyPr wrap="square" rtlCol="0">
-              <a:spAutoFit/>
-            </a:bodyPr>
-            <a:lstStyle/>
-            <a:p>
-              <a:r>
-                <a:rPr lang="en-GB" sz="1200" b="1" dirty="0" smtClean="0"/>
-                <a:t>Application Layer</a:t>
-              </a:r>
-              <a:endParaRPr lang="en-GB" sz="1200" b="1" dirty="0"/>
-            </a:p>
-          </p:txBody>
-        </p:sp>
-        <p:sp>
-          <p:nvSpPr>
-            <p:cNvPr id="31" name="Rounded Rectangle 30"/>
-            <p:cNvSpPr/>
-            <p:nvPr/>
-          </p:nvSpPr>
-          <p:spPr>
-            <a:xfrm>
-              <a:off x="7692023" y="3490218"/>
-              <a:ext cx="1219200" cy="485651"/>
-            </a:xfrm>
-            <a:prstGeom prst="roundRect">
-              <a:avLst/>
-            </a:prstGeom>
-            <a:solidFill>
-              <a:srgbClr val="D4E8C6"/>
-            </a:solidFill>
-            <a:ln>
-              <a:solidFill>
-                <a:schemeClr val="tx1"/>
-              </a:solidFill>
-            </a:ln>
-          </p:spPr>
-          <p:style>
-            <a:lnRef idx="2">
-              <a:schemeClr val="accent1">
-                <a:shade val="50000"/>
-              </a:schemeClr>
-            </a:lnRef>
-            <a:fillRef idx="1">
-              <a:schemeClr val="accent1"/>
-            </a:fillRef>
-            <a:effectRef idx="0">
-              <a:schemeClr val="accent1"/>
-            </a:effectRef>
-            <a:fontRef idx="minor">
-              <a:schemeClr val="lt1"/>
-            </a:fontRef>
-          </p:style>
-          <p:txBody>
-            <a:bodyPr rtlCol="0" anchor="ctr"/>
-            <a:lstStyle/>
-            <a:p>
-              <a:pPr algn="ctr"/>
-              <a:r>
-                <a:rPr lang="en-GB" dirty="0" smtClean="0">
-                  <a:solidFill>
-                    <a:schemeClr val="tx1"/>
-                  </a:solidFill>
-                </a:rPr>
-                <a:t>Container</a:t>
-              </a:r>
-              <a:endParaRPr lang="en-GB" dirty="0">
-                <a:solidFill>
-                  <a:schemeClr val="tx1"/>
-                </a:solidFill>
-              </a:endParaRPr>
-            </a:p>
-          </p:txBody>
-        </p:sp>
-        <p:cxnSp>
-          <p:nvCxnSpPr>
-            <p:cNvPr id="32" name="Straight Connector 31"/>
-            <p:cNvCxnSpPr>
-              <a:stCxn id="61" idx="2"/>
-            </p:cNvCxnSpPr>
-            <p:nvPr/>
-          </p:nvCxnSpPr>
-          <p:spPr>
-            <a:xfrm>
-              <a:off x="3416566" y="5538394"/>
-              <a:ext cx="6610848" cy="0"/>
-            </a:xfrm>
-            <a:prstGeom prst="line">
-              <a:avLst/>
-            </a:prstGeom>
-            <a:ln w="28575">
-              <a:solidFill>
-                <a:schemeClr val="tx1"/>
-              </a:solidFill>
-            </a:ln>
-          </p:spPr>
-          <p:style>
-            <a:lnRef idx="1">
-              <a:schemeClr val="accent1"/>
-            </a:lnRef>
-            <a:fillRef idx="0">
-              <a:schemeClr val="accent1"/>
-            </a:fillRef>
-            <a:effectRef idx="0">
-              <a:schemeClr val="accent1"/>
-            </a:effectRef>
-            <a:fontRef idx="minor">
-              <a:schemeClr val="tx1"/>
-            </a:fontRef>
-          </p:style>
-        </p:cxnSp>
-        <p:cxnSp>
-          <p:nvCxnSpPr>
-            <p:cNvPr id="16" name="Straight Connector 15"/>
-            <p:cNvCxnSpPr/>
-            <p:nvPr/>
-          </p:nvCxnSpPr>
-          <p:spPr>
-            <a:xfrm flipH="1">
-              <a:off x="6662766" y="2795732"/>
-              <a:ext cx="1" cy="1540657"/>
-            </a:xfrm>
-            <a:prstGeom prst="line">
-              <a:avLst/>
-            </a:prstGeom>
-            <a:ln w="28575">
-              <a:solidFill>
-                <a:schemeClr val="tx1"/>
-              </a:solidFill>
-              <a:prstDash val="dash"/>
-            </a:ln>
-          </p:spPr>
-          <p:style>
-            <a:lnRef idx="1">
-              <a:schemeClr val="accent1"/>
-            </a:lnRef>
-            <a:fillRef idx="0">
-              <a:schemeClr val="accent1"/>
-            </a:fillRef>
-            <a:effectRef idx="0">
-              <a:schemeClr val="accent1"/>
-            </a:effectRef>
-            <a:fontRef idx="minor">
-              <a:schemeClr val="tx1"/>
-            </a:fontRef>
-          </p:style>
-        </p:cxnSp>
-        <p:cxnSp>
-          <p:nvCxnSpPr>
-            <p:cNvPr id="53" name="Straight Connector 52"/>
-            <p:cNvCxnSpPr/>
-            <p:nvPr/>
-          </p:nvCxnSpPr>
-          <p:spPr>
-            <a:xfrm>
-              <a:off x="10027414" y="1636515"/>
-              <a:ext cx="0" cy="3901879"/>
-            </a:xfrm>
-            <a:prstGeom prst="line">
-              <a:avLst/>
-            </a:prstGeom>
-            <a:ln w="28575">
-              <a:solidFill>
-                <a:schemeClr val="tx1"/>
-              </a:solidFill>
-            </a:ln>
-          </p:spPr>
-          <p:style>
-            <a:lnRef idx="1">
-              <a:schemeClr val="accent1"/>
-            </a:lnRef>
-            <a:fillRef idx="0">
-              <a:schemeClr val="accent1"/>
-            </a:fillRef>
-            <a:effectRef idx="0">
-              <a:schemeClr val="accent1"/>
-            </a:effectRef>
-            <a:fontRef idx="minor">
-              <a:schemeClr val="tx1"/>
-            </a:fontRef>
-          </p:style>
-        </p:cxnSp>
-        <p:cxnSp>
-          <p:nvCxnSpPr>
-            <p:cNvPr id="54" name="Straight Connector 53"/>
-            <p:cNvCxnSpPr/>
-            <p:nvPr/>
-          </p:nvCxnSpPr>
-          <p:spPr>
-            <a:xfrm>
-              <a:off x="3416566" y="1636999"/>
-              <a:ext cx="6610848" cy="0"/>
-            </a:xfrm>
-            <a:prstGeom prst="line">
-              <a:avLst/>
-            </a:prstGeom>
-            <a:ln w="28575">
-              <a:solidFill>
-                <a:schemeClr val="tx1"/>
-              </a:solidFill>
-            </a:ln>
-          </p:spPr>
-          <p:style>
-            <a:lnRef idx="1">
-              <a:schemeClr val="accent1"/>
-            </a:lnRef>
-            <a:fillRef idx="0">
-              <a:schemeClr val="accent1"/>
-            </a:fillRef>
-            <a:effectRef idx="0">
-              <a:schemeClr val="accent1"/>
-            </a:effectRef>
-            <a:fontRef idx="minor">
-              <a:schemeClr val="tx1"/>
-            </a:fontRef>
-          </p:style>
-        </p:cxnSp>
-        <p:sp>
-          <p:nvSpPr>
-            <p:cNvPr id="56" name="Rounded Rectangle 55"/>
-            <p:cNvSpPr/>
-            <p:nvPr/>
-          </p:nvSpPr>
-          <p:spPr>
-            <a:xfrm>
-              <a:off x="5318817" y="2919835"/>
-              <a:ext cx="1006103" cy="314336"/>
-            </a:xfrm>
-            <a:prstGeom prst="roundRect">
-              <a:avLst/>
-            </a:prstGeom>
-            <a:solidFill>
-              <a:srgbClr val="D4E8C6"/>
-            </a:solidFill>
-            <a:ln>
-              <a:solidFill>
-                <a:schemeClr val="tx1"/>
-              </a:solidFill>
-            </a:ln>
-          </p:spPr>
-          <p:style>
-            <a:lnRef idx="2">
-              <a:schemeClr val="accent1">
-                <a:shade val="50000"/>
-              </a:schemeClr>
-            </a:lnRef>
-            <a:fillRef idx="1">
-              <a:schemeClr val="accent1"/>
-            </a:fillRef>
-            <a:effectRef idx="0">
-              <a:schemeClr val="accent1"/>
-            </a:effectRef>
-            <a:fontRef idx="minor">
-              <a:schemeClr val="lt1"/>
-            </a:fontRef>
-          </p:style>
-          <p:txBody>
-            <a:bodyPr rtlCol="0" anchor="ctr"/>
-            <a:lstStyle/>
-            <a:p>
-              <a:pPr algn="ctr"/>
-              <a:r>
-                <a:rPr lang="en-GB" sz="1600" dirty="0" smtClean="0">
-                  <a:solidFill>
-                    <a:schemeClr val="tx1"/>
-                  </a:solidFill>
-                </a:rPr>
-                <a:t>workload</a:t>
-              </a:r>
-              <a:endParaRPr lang="en-GB" sz="1600" dirty="0">
-                <a:solidFill>
-                  <a:schemeClr val="tx1"/>
-                </a:solidFill>
-              </a:endParaRPr>
-            </a:p>
-          </p:txBody>
-        </p:sp>
-        <p:sp>
-          <p:nvSpPr>
-            <p:cNvPr id="34" name="Rounded Rectangle 33"/>
-            <p:cNvSpPr/>
-            <p:nvPr/>
-          </p:nvSpPr>
-          <p:spPr>
-            <a:xfrm>
-              <a:off x="5604164" y="4387688"/>
-              <a:ext cx="2145747" cy="426682"/>
-            </a:xfrm>
-            <a:prstGeom prst="roundRect">
-              <a:avLst/>
-            </a:prstGeom>
-            <a:solidFill>
-              <a:srgbClr val="A9D18E"/>
-            </a:solidFill>
-            <a:ln>
-              <a:solidFill>
-                <a:schemeClr val="tx1"/>
-              </a:solidFill>
-            </a:ln>
-          </p:spPr>
-          <p:style>
-            <a:lnRef idx="2">
-              <a:schemeClr val="accent1">
-                <a:shade val="50000"/>
-              </a:schemeClr>
-            </a:lnRef>
-            <a:fillRef idx="1">
-              <a:schemeClr val="accent1"/>
-            </a:fillRef>
-            <a:effectRef idx="0">
-              <a:schemeClr val="accent1"/>
-            </a:effectRef>
-            <a:fontRef idx="minor">
-              <a:schemeClr val="lt1"/>
-            </a:fontRef>
-          </p:style>
-          <p:txBody>
-            <a:bodyPr rtlCol="0" anchor="ctr"/>
-            <a:lstStyle/>
-            <a:p>
-              <a:pPr algn="ctr"/>
-              <a:r>
-                <a:rPr lang="en-GB" sz="1100" dirty="0" smtClean="0">
-                  <a:solidFill>
-                    <a:schemeClr val="tx1"/>
-                  </a:solidFill>
-                </a:rPr>
-                <a:t>Compute | Networks | Storage</a:t>
-              </a:r>
-            </a:p>
-            <a:p>
-              <a:pPr algn="ctr"/>
-              <a:r>
-                <a:rPr lang="en-GB" sz="1600" dirty="0" smtClean="0">
-                  <a:solidFill>
-                    <a:schemeClr val="tx1"/>
-                  </a:solidFill>
-                </a:rPr>
-                <a:t>Virtual Resources</a:t>
-              </a:r>
-              <a:endParaRPr lang="en-GB" sz="1600" dirty="0">
-                <a:solidFill>
-                  <a:schemeClr val="tx1"/>
-                </a:solidFill>
-              </a:endParaRPr>
-            </a:p>
-          </p:txBody>
-        </p:sp>
-        <p:sp>
-          <p:nvSpPr>
-            <p:cNvPr id="36" name="Rounded Rectangle 35"/>
-            <p:cNvSpPr/>
-            <p:nvPr/>
-          </p:nvSpPr>
-          <p:spPr>
-            <a:xfrm>
-              <a:off x="7906269" y="4621820"/>
-              <a:ext cx="1786784" cy="348699"/>
-            </a:xfrm>
-            <a:prstGeom prst="roundRect">
-              <a:avLst/>
-            </a:prstGeom>
-            <a:solidFill>
-              <a:srgbClr val="A9D18E"/>
-            </a:solidFill>
-            <a:ln>
-              <a:solidFill>
-                <a:schemeClr val="tx1"/>
-              </a:solidFill>
-            </a:ln>
-          </p:spPr>
-          <p:style>
-            <a:lnRef idx="2">
-              <a:schemeClr val="accent1">
-                <a:shade val="50000"/>
-              </a:schemeClr>
-            </a:lnRef>
-            <a:fillRef idx="1">
-              <a:schemeClr val="accent1"/>
-            </a:fillRef>
-            <a:effectRef idx="0">
-              <a:schemeClr val="accent1"/>
-            </a:effectRef>
-            <a:fontRef idx="minor">
-              <a:schemeClr val="lt1"/>
-            </a:fontRef>
-          </p:style>
-          <p:txBody>
-            <a:bodyPr rtlCol="0" anchor="ctr"/>
-            <a:lstStyle/>
-            <a:p>
-              <a:pPr algn="ctr"/>
-              <a:r>
-                <a:rPr lang="en-GB" sz="1600" dirty="0" smtClean="0">
-                  <a:solidFill>
-                    <a:schemeClr val="tx1"/>
-                  </a:solidFill>
-                </a:rPr>
-                <a:t>Container Engine</a:t>
-              </a:r>
-              <a:endParaRPr lang="en-GB" sz="1600" dirty="0">
-                <a:solidFill>
-                  <a:schemeClr val="tx1"/>
-                </a:solidFill>
-              </a:endParaRPr>
-            </a:p>
-          </p:txBody>
-        </p:sp>
-        <p:grpSp>
-          <p:nvGrpSpPr>
-            <p:cNvPr id="15" name="Group 14"/>
-            <p:cNvGrpSpPr/>
-            <p:nvPr/>
-          </p:nvGrpSpPr>
-          <p:grpSpPr>
-            <a:xfrm>
-              <a:off x="7744522" y="5156028"/>
-              <a:ext cx="2249992" cy="361330"/>
-              <a:chOff x="4558987" y="5907297"/>
-              <a:chExt cx="2249992" cy="361330"/>
-            </a:xfrm>
-          </p:grpSpPr>
-          <p:sp>
-            <p:nvSpPr>
-              <p:cNvPr id="13" name="Rounded Rectangle 12"/>
-              <p:cNvSpPr/>
-              <p:nvPr/>
-            </p:nvSpPr>
-            <p:spPr>
-              <a:xfrm>
-                <a:off x="4558987" y="5907297"/>
-                <a:ext cx="2249992" cy="346755"/>
-              </a:xfrm>
-              <a:prstGeom prst="roundRect">
-                <a:avLst/>
-              </a:prstGeom>
-              <a:solidFill>
-                <a:srgbClr val="939393"/>
-              </a:solidFill>
-              <a:ln>
-                <a:noFill/>
-              </a:ln>
-            </p:spPr>
-            <p:style>
-              <a:lnRef idx="2">
-                <a:schemeClr val="accent1">
-                  <a:shade val="50000"/>
-                </a:schemeClr>
-              </a:lnRef>
-              <a:fillRef idx="1">
-                <a:schemeClr val="accent1"/>
-              </a:fillRef>
-              <a:effectRef idx="0">
-                <a:schemeClr val="accent1"/>
-              </a:effectRef>
-              <a:fontRef idx="minor">
-                <a:schemeClr val="lt1"/>
-              </a:fontRef>
-            </p:style>
-            <p:txBody>
-              <a:bodyPr rtlCol="0" anchor="ctr"/>
-              <a:lstStyle/>
-              <a:p>
-                <a:pPr algn="ctr"/>
-                <a:endParaRPr lang="en-GB"/>
-              </a:p>
-            </p:txBody>
-          </p:sp>
-          <p:pic>
-            <p:nvPicPr>
-              <p:cNvPr id="12" name="Picture 11"/>
-              <p:cNvPicPr>
-                <a:picLocks noChangeAspect="1"/>
-              </p:cNvPicPr>
-              <p:nvPr/>
-            </p:nvPicPr>
-            <p:blipFill>
-              <a:blip r:embed="rId3" cstate="print">
-                <a:extLst>
-                  <a:ext uri="{28A0092B-C50C-407E-A947-70E740481C1C}">
-                    <a14:useLocalDpi xmlns:a14="http://schemas.microsoft.com/office/drawing/2010/main" val="0"/>
-                  </a:ext>
-                </a:extLst>
-              </a:blip>
-              <a:stretch>
-                <a:fillRect/>
-              </a:stretch>
-            </p:blipFill>
-            <p:spPr>
-              <a:xfrm>
-                <a:off x="4629175" y="5976794"/>
-                <a:ext cx="275255" cy="275255"/>
-              </a:xfrm>
-              <a:prstGeom prst="rect">
-                <a:avLst/>
-              </a:prstGeom>
-            </p:spPr>
-          </p:pic>
-          <p:sp>
-            <p:nvSpPr>
-              <p:cNvPr id="14" name="Rectangle 13"/>
-              <p:cNvSpPr/>
-              <p:nvPr/>
-            </p:nvSpPr>
-            <p:spPr>
-              <a:xfrm>
-                <a:off x="4929280" y="5960850"/>
-                <a:ext cx="1845697" cy="307777"/>
-              </a:xfrm>
-              <a:prstGeom prst="rect">
-                <a:avLst/>
-              </a:prstGeom>
-            </p:spPr>
-            <p:txBody>
-              <a:bodyPr wrap="none">
-                <a:spAutoFit/>
-              </a:bodyPr>
-              <a:lstStyle/>
-              <a:p>
-                <a:pPr algn="ctr"/>
-                <a:r>
-                  <a:rPr lang="en-GB" sz="1400" dirty="0"/>
-                  <a:t>NFVI SW Configuration</a:t>
-                </a:r>
-              </a:p>
-            </p:txBody>
-          </p:sp>
-        </p:grpSp>
-        <p:grpSp>
-          <p:nvGrpSpPr>
-            <p:cNvPr id="20" name="Group 19"/>
-            <p:cNvGrpSpPr/>
-            <p:nvPr/>
-          </p:nvGrpSpPr>
-          <p:grpSpPr>
-            <a:xfrm>
-              <a:off x="3182967" y="5111685"/>
-              <a:ext cx="1860498" cy="437879"/>
-              <a:chOff x="1229066" y="5715000"/>
-              <a:chExt cx="1860498" cy="437879"/>
-            </a:xfrm>
-          </p:grpSpPr>
-          <p:pic>
-            <p:nvPicPr>
-              <p:cNvPr id="17" name="Picture 16"/>
-              <p:cNvPicPr>
-                <a:picLocks noChangeAspect="1"/>
-              </p:cNvPicPr>
-              <p:nvPr/>
-            </p:nvPicPr>
-            <p:blipFill rotWithShape="1">
-              <a:blip r:embed="rId4" cstate="print">
-                <a:extLst>
-                  <a:ext uri="{28A0092B-C50C-407E-A947-70E740481C1C}">
-                    <a14:useLocalDpi xmlns:a14="http://schemas.microsoft.com/office/drawing/2010/main" val="0"/>
-                  </a:ext>
-                </a:extLst>
-              </a:blip>
-              <a:srcRect t="30354" b="31218"/>
-              <a:stretch/>
-            </p:blipFill>
-            <p:spPr>
-              <a:xfrm>
-                <a:off x="1229066" y="5715000"/>
-                <a:ext cx="1860498" cy="437879"/>
-              </a:xfrm>
-              <a:prstGeom prst="rect">
-                <a:avLst/>
-              </a:prstGeom>
-            </p:spPr>
-          </p:pic>
-          <p:sp>
-            <p:nvSpPr>
-              <p:cNvPr id="18" name="Rectangle 17"/>
-              <p:cNvSpPr/>
-              <p:nvPr/>
-            </p:nvSpPr>
-            <p:spPr>
-              <a:xfrm>
-                <a:off x="1308657" y="5795439"/>
-                <a:ext cx="1582813" cy="276999"/>
-              </a:xfrm>
-              <a:prstGeom prst="rect">
-                <a:avLst/>
-              </a:prstGeom>
-            </p:spPr>
-            <p:txBody>
-              <a:bodyPr wrap="square">
-                <a:spAutoFit/>
-              </a:bodyPr>
-              <a:lstStyle/>
-              <a:p>
-                <a:pPr algn="ctr"/>
-                <a:r>
-                  <a:rPr lang="en-GB" sz="1200" dirty="0">
-                    <a:solidFill>
-                      <a:schemeClr val="bg1"/>
-                    </a:solidFill>
-                  </a:rPr>
-                  <a:t>NFVI SW Profile</a:t>
-                </a:r>
-              </a:p>
-            </p:txBody>
-          </p:sp>
-        </p:grpSp>
-        <p:grpSp>
-          <p:nvGrpSpPr>
-            <p:cNvPr id="60" name="Group 59"/>
-            <p:cNvGrpSpPr/>
-            <p:nvPr/>
-          </p:nvGrpSpPr>
-          <p:grpSpPr>
-            <a:xfrm>
-              <a:off x="3671860" y="3350148"/>
-              <a:ext cx="1669747" cy="816823"/>
-              <a:chOff x="381971" y="4621820"/>
-              <a:chExt cx="1669747" cy="816823"/>
-            </a:xfrm>
-          </p:grpSpPr>
-          <p:grpSp>
-            <p:nvGrpSpPr>
-              <p:cNvPr id="59" name="Group 58"/>
-              <p:cNvGrpSpPr/>
-              <p:nvPr/>
-            </p:nvGrpSpPr>
-            <p:grpSpPr>
-              <a:xfrm>
-                <a:off x="381971" y="4640497"/>
-                <a:ext cx="1667564" cy="798146"/>
-                <a:chOff x="381971" y="4640497"/>
-                <a:chExt cx="1667564" cy="798146"/>
-              </a:xfrm>
-            </p:grpSpPr>
-            <p:sp>
-              <p:nvSpPr>
-                <p:cNvPr id="42" name="Rounded Rectangle 41"/>
-                <p:cNvSpPr/>
-                <p:nvPr/>
-              </p:nvSpPr>
-              <p:spPr>
-                <a:xfrm>
-                  <a:off x="381971" y="4640497"/>
-                  <a:ext cx="1667564" cy="798146"/>
-                </a:xfrm>
-                <a:prstGeom prst="roundRect">
-                  <a:avLst/>
-                </a:prstGeom>
-              </p:spPr>
-              <p:style>
-                <a:lnRef idx="2">
-                  <a:schemeClr val="accent1">
-                    <a:shade val="50000"/>
-                  </a:schemeClr>
-                </a:lnRef>
-                <a:fillRef idx="1">
-                  <a:schemeClr val="accent1"/>
-                </a:fillRef>
-                <a:effectRef idx="0">
-                  <a:schemeClr val="accent1"/>
-                </a:effectRef>
-                <a:fontRef idx="minor">
-                  <a:schemeClr val="lt1"/>
-                </a:fontRef>
-              </p:style>
-              <p:txBody>
-                <a:bodyPr rtlCol="0" anchor="ctr"/>
-                <a:lstStyle/>
-                <a:p>
-                  <a:pPr algn="ctr"/>
-                  <a:endParaRPr lang="en-GB"/>
-                </a:p>
-              </p:txBody>
-            </p:sp>
-            <p:pic>
-              <p:nvPicPr>
-                <p:cNvPr id="38" name="Picture 37"/>
-                <p:cNvPicPr>
-                  <a:picLocks noChangeAspect="1"/>
-                </p:cNvPicPr>
-                <p:nvPr/>
-              </p:nvPicPr>
-              <p:blipFill>
-                <a:blip r:embed="rId5" cstate="print">
-                  <a:extLst>
-                    <a:ext uri="{28A0092B-C50C-407E-A947-70E740481C1C}">
-                      <a14:useLocalDpi xmlns:a14="http://schemas.microsoft.com/office/drawing/2010/main" val="0"/>
-                    </a:ext>
-                  </a:extLst>
-                </a:blip>
-                <a:stretch>
-                  <a:fillRect/>
-                </a:stretch>
-              </p:blipFill>
-              <p:spPr>
-                <a:xfrm>
-                  <a:off x="436743" y="4743549"/>
-                  <a:ext cx="587977" cy="587977"/>
-                </a:xfrm>
-                <a:prstGeom prst="rect">
-                  <a:avLst/>
-                </a:prstGeom>
-              </p:spPr>
-            </p:pic>
-          </p:grpSp>
-          <p:sp>
-            <p:nvSpPr>
-              <p:cNvPr id="57" name="Rectangle 56"/>
-              <p:cNvSpPr/>
-              <p:nvPr/>
-            </p:nvSpPr>
-            <p:spPr>
-              <a:xfrm>
-                <a:off x="878474" y="4621820"/>
-                <a:ext cx="1173244" cy="784830"/>
-              </a:xfrm>
-              <a:prstGeom prst="rect">
-                <a:avLst/>
-              </a:prstGeom>
-            </p:spPr>
-            <p:txBody>
-              <a:bodyPr wrap="square">
-                <a:spAutoFit/>
-              </a:bodyPr>
-              <a:lstStyle/>
-              <a:p>
-                <a:pPr algn="ctr"/>
-                <a:r>
-                  <a:rPr lang="en-GB" sz="1200" b="1" dirty="0"/>
-                  <a:t>VM Instances </a:t>
-                </a:r>
-                <a:endParaRPr lang="en-GB" sz="1200" b="1" dirty="0" smtClean="0"/>
-              </a:p>
-              <a:p>
-                <a:pPr algn="ctr"/>
-                <a:r>
-                  <a:rPr lang="en-GB" sz="1200" b="1" dirty="0" smtClean="0"/>
-                  <a:t>Catalogue</a:t>
-                </a:r>
-                <a:endParaRPr lang="en-GB" sz="1200" b="1" dirty="0"/>
-              </a:p>
-              <a:p>
-                <a:pPr algn="ctr"/>
-                <a:r>
-                  <a:rPr lang="en-GB" sz="1050" dirty="0"/>
-                  <a:t>Instance Type </a:t>
-                </a:r>
-                <a:endParaRPr lang="en-GB" sz="1050" dirty="0" smtClean="0"/>
-              </a:p>
-              <a:p>
-                <a:pPr algn="ctr"/>
-                <a:r>
-                  <a:rPr lang="en-GB" sz="1050" dirty="0" smtClean="0"/>
-                  <a:t>Compute </a:t>
-                </a:r>
-                <a:r>
-                  <a:rPr lang="en-GB" sz="1050" dirty="0"/>
-                  <a:t>flavour</a:t>
-                </a:r>
-              </a:p>
-            </p:txBody>
-          </p:sp>
-        </p:grpSp>
-      </p:grpSp>
-    </p:spTree>
-    <p:extLst>
-      <p:ext uri="{BB962C8B-B14F-4D97-AF65-F5344CB8AC3E}">
-        <p14:creationId xmlns:p14="http://schemas.microsoft.com/office/powerpoint/2010/main" val="3446380371"/>
-      </p:ext>
-    </p:extLst>
-  </p:cSld>
-  <p:clrMapOvr>
-    <a:masterClrMapping/>
-  </p:clrMapOvr>
-  <p:timing>
-    <p:tnLst>
-      <p:par>
-        <p:cTn id="1" dur="indefinite" restart="never" nodeType="tmRoot"/>
-      </p:par>
-    </p:tnLst>
-  </p:timing>
-</p:sld>
-</file>
-
-<file path=ppt/slides/slide17.xml><?xml version="1.0" encoding="utf-8"?>
-<p:sld xmlns:a="http://schemas.openxmlformats.org/drawingml/2006/main" xmlns:r="http://schemas.openxmlformats.org/officeDocument/2006/relationships" xmlns:p="http://schemas.openxmlformats.org/presentationml/2006/main">
-  <p:cSld>
-    <p:spTree>
-      <p:nvGrpSpPr>
-        <p:cNvPr id="1" name=""/>
-        <p:cNvGrpSpPr/>
-        <p:nvPr/>
-      </p:nvGrpSpPr>
-      <p:grpSpPr>
-        <a:xfrm>
-          <a:off x="0" y="0"/>
-          <a:ext cx="0" cy="0"/>
-          <a:chOff x="0" y="0"/>
-          <a:chExt cx="0" cy="0"/>
-        </a:xfrm>
-      </p:grpSpPr>
-      <p:sp>
-        <p:nvSpPr>
-          <p:cNvPr id="19" name="Title 1"/>
-          <p:cNvSpPr>
-            <a:spLocks noGrp="1"/>
-          </p:cNvSpPr>
-          <p:nvPr>
-            <p:ph type="title"/>
-          </p:nvPr>
-        </p:nvSpPr>
-        <p:spPr>
-          <a:xfrm>
-            <a:off x="467810" y="260953"/>
-            <a:ext cx="10515600" cy="676597"/>
-          </a:xfrm>
-        </p:spPr>
-        <p:txBody>
-          <a:bodyPr>
-            <a:normAutofit fontScale="90000"/>
-          </a:bodyPr>
-          <a:lstStyle/>
-          <a:p>
-            <a:r>
-              <a:rPr lang="en-GB" dirty="0" smtClean="0"/>
-              <a:t>Hardware Layers Terminologies</a:t>
-            </a:r>
-            <a:endParaRPr lang="en-GB" dirty="0"/>
-          </a:p>
-        </p:txBody>
-      </p:sp>
-      <p:sp>
-        <p:nvSpPr>
-          <p:cNvPr id="21" name="Rectangle 20"/>
-          <p:cNvSpPr/>
-          <p:nvPr/>
-        </p:nvSpPr>
-        <p:spPr>
-          <a:xfrm>
-            <a:off x="3325641" y="3940953"/>
-            <a:ext cx="5469109" cy="1533526"/>
-          </a:xfrm>
-          <a:prstGeom prst="rect">
-            <a:avLst/>
-          </a:prstGeom>
-          <a:solidFill>
-            <a:schemeClr val="accent4">
-              <a:lumMod val="40000"/>
-              <a:lumOff val="60000"/>
-            </a:schemeClr>
-          </a:solidFill>
-          <a:ln>
-            <a:noFill/>
-          </a:ln>
-        </p:spPr>
-        <p:style>
-          <a:lnRef idx="2">
-            <a:schemeClr val="accent1">
-              <a:shade val="50000"/>
-            </a:schemeClr>
-          </a:lnRef>
-          <a:fillRef idx="1">
-            <a:schemeClr val="accent1"/>
-          </a:fillRef>
-          <a:effectRef idx="0">
-            <a:schemeClr val="accent1"/>
-          </a:effectRef>
-          <a:fontRef idx="minor">
-            <a:schemeClr val="lt1"/>
-          </a:fontRef>
-        </p:style>
-        <p:txBody>
-          <a:bodyPr rtlCol="0" anchor="ctr"/>
-          <a:lstStyle/>
-          <a:p>
-            <a:pPr algn="ctr"/>
-            <a:endParaRPr lang="en-GB"/>
-          </a:p>
-        </p:txBody>
-      </p:sp>
-      <p:cxnSp>
-        <p:nvCxnSpPr>
-          <p:cNvPr id="47" name="Straight Connector 46"/>
-          <p:cNvCxnSpPr/>
-          <p:nvPr/>
-        </p:nvCxnSpPr>
-        <p:spPr>
-          <a:xfrm>
-            <a:off x="3423520" y="3940953"/>
-            <a:ext cx="5368156" cy="0"/>
-          </a:xfrm>
-          <a:prstGeom prst="line">
-            <a:avLst/>
-          </a:prstGeom>
-          <a:ln w="28575">
-            <a:solidFill>
-              <a:schemeClr val="tx1"/>
-            </a:solidFill>
-          </a:ln>
-        </p:spPr>
-        <p:style>
-          <a:lnRef idx="1">
-            <a:schemeClr val="accent1"/>
-          </a:lnRef>
-          <a:fillRef idx="0">
-            <a:schemeClr val="accent1"/>
-          </a:fillRef>
-          <a:effectRef idx="0">
-            <a:schemeClr val="accent1"/>
-          </a:effectRef>
-          <a:fontRef idx="minor">
-            <a:schemeClr val="tx1"/>
-          </a:fontRef>
-        </p:style>
-      </p:cxnSp>
-      <p:sp>
-        <p:nvSpPr>
-          <p:cNvPr id="61" name="Right Brace 60"/>
-          <p:cNvSpPr/>
-          <p:nvPr/>
-        </p:nvSpPr>
-        <p:spPr>
-          <a:xfrm flipH="1">
-            <a:off x="3227530" y="3940952"/>
-            <a:ext cx="204248" cy="1533527"/>
-          </a:xfrm>
-          <a:prstGeom prst="rightBrace">
-            <a:avLst/>
-          </a:prstGeom>
-          <a:ln w="28575">
-            <a:solidFill>
-              <a:schemeClr val="tx1"/>
-            </a:solidFill>
-          </a:ln>
-        </p:spPr>
-        <p:style>
-          <a:lnRef idx="1">
-            <a:schemeClr val="accent1"/>
-          </a:lnRef>
-          <a:fillRef idx="0">
-            <a:schemeClr val="accent1"/>
-          </a:fillRef>
-          <a:effectRef idx="0">
-            <a:schemeClr val="accent1"/>
-          </a:effectRef>
-          <a:fontRef idx="minor">
-            <a:schemeClr val="tx1"/>
-          </a:fontRef>
-        </p:style>
-        <p:txBody>
-          <a:bodyPr rtlCol="0" anchor="ctr"/>
-          <a:lstStyle/>
-          <a:p>
-            <a:pPr algn="ctr"/>
-            <a:endParaRPr lang="en-GB" dirty="0"/>
-          </a:p>
-        </p:txBody>
-      </p:sp>
-      <p:sp>
-        <p:nvSpPr>
-          <p:cNvPr id="62" name="TextBox 61"/>
-          <p:cNvSpPr txBox="1"/>
-          <p:nvPr/>
-        </p:nvSpPr>
-        <p:spPr>
-          <a:xfrm rot="16200000">
-            <a:off x="2434126" y="4569215"/>
-            <a:ext cx="1188641" cy="276999"/>
-          </a:xfrm>
-          <a:prstGeom prst="rect">
-            <a:avLst/>
-          </a:prstGeom>
-          <a:noFill/>
-        </p:spPr>
-        <p:txBody>
-          <a:bodyPr wrap="square" rtlCol="0">
-            <a:spAutoFit/>
-          </a:bodyPr>
-          <a:lstStyle/>
-          <a:p>
-            <a:pPr algn="ctr"/>
-            <a:r>
-              <a:rPr lang="en-GB" sz="1200" b="1" smtClean="0"/>
-              <a:t>NFVI HW Layer</a:t>
-            </a:r>
-            <a:endParaRPr lang="en-GB" sz="1200" b="1" dirty="0"/>
-          </a:p>
-        </p:txBody>
-      </p:sp>
-      <p:cxnSp>
-        <p:nvCxnSpPr>
-          <p:cNvPr id="32" name="Straight Connector 31"/>
-          <p:cNvCxnSpPr>
-            <a:stCxn id="61" idx="2"/>
-          </p:cNvCxnSpPr>
-          <p:nvPr/>
-        </p:nvCxnSpPr>
-        <p:spPr>
-          <a:xfrm>
-            <a:off x="3431778" y="5474479"/>
-            <a:ext cx="5359898" cy="0"/>
-          </a:xfrm>
-          <a:prstGeom prst="line">
-            <a:avLst/>
-          </a:prstGeom>
-          <a:ln w="28575">
-            <a:solidFill>
-              <a:schemeClr val="tx1"/>
-            </a:solidFill>
-          </a:ln>
-        </p:spPr>
-        <p:style>
-          <a:lnRef idx="1">
-            <a:schemeClr val="accent1"/>
-          </a:lnRef>
-          <a:fillRef idx="0">
-            <a:schemeClr val="accent1"/>
-          </a:fillRef>
-          <a:effectRef idx="0">
-            <a:schemeClr val="accent1"/>
-          </a:effectRef>
-          <a:fontRef idx="minor">
-            <a:schemeClr val="tx1"/>
-          </a:fontRef>
-        </p:style>
-      </p:cxnSp>
-      <p:cxnSp>
-        <p:nvCxnSpPr>
-          <p:cNvPr id="53" name="Straight Connector 52"/>
-          <p:cNvCxnSpPr/>
-          <p:nvPr/>
-        </p:nvCxnSpPr>
-        <p:spPr>
-          <a:xfrm>
-            <a:off x="8791676" y="3940952"/>
-            <a:ext cx="0" cy="1533527"/>
-          </a:xfrm>
-          <a:prstGeom prst="line">
-            <a:avLst/>
-          </a:prstGeom>
-          <a:ln w="28575">
-            <a:solidFill>
-              <a:schemeClr val="tx1"/>
-            </a:solidFill>
-          </a:ln>
-        </p:spPr>
-        <p:style>
-          <a:lnRef idx="1">
-            <a:schemeClr val="accent1"/>
-          </a:lnRef>
-          <a:fillRef idx="0">
-            <a:schemeClr val="accent1"/>
-          </a:fillRef>
-          <a:effectRef idx="0">
-            <a:schemeClr val="accent1"/>
-          </a:effectRef>
-          <a:fontRef idx="minor">
-            <a:schemeClr val="tx1"/>
-          </a:fontRef>
-        </p:style>
-      </p:cxnSp>
-      <p:sp>
-        <p:nvSpPr>
-          <p:cNvPr id="34" name="Rounded Rectangle 33"/>
-          <p:cNvSpPr/>
-          <p:nvPr/>
-        </p:nvSpPr>
-        <p:spPr>
-          <a:xfrm>
-            <a:off x="6284062" y="3995138"/>
-            <a:ext cx="2269856" cy="426682"/>
-          </a:xfrm>
-          <a:prstGeom prst="roundRect">
-            <a:avLst/>
-          </a:prstGeom>
-          <a:solidFill>
-            <a:srgbClr val="FFE699"/>
-          </a:solidFill>
-          <a:ln>
-            <a:solidFill>
-              <a:schemeClr val="tx1"/>
-            </a:solidFill>
-          </a:ln>
-        </p:spPr>
-        <p:style>
-          <a:lnRef idx="2">
-            <a:schemeClr val="accent1">
-              <a:shade val="50000"/>
-            </a:schemeClr>
-          </a:lnRef>
-          <a:fillRef idx="1">
-            <a:schemeClr val="accent1"/>
-          </a:fillRef>
-          <a:effectRef idx="0">
-            <a:schemeClr val="accent1"/>
-          </a:effectRef>
-          <a:fontRef idx="minor">
-            <a:schemeClr val="lt1"/>
-          </a:fontRef>
-        </p:style>
-        <p:txBody>
-          <a:bodyPr rtlCol="0" anchor="ctr"/>
-          <a:lstStyle/>
-          <a:p>
-            <a:pPr algn="ctr"/>
-            <a:r>
-              <a:rPr lang="en-GB" sz="1100" dirty="0" smtClean="0">
-                <a:solidFill>
-                  <a:schemeClr val="tx1"/>
-                </a:solidFill>
-              </a:rPr>
-              <a:t>Compute | Networks | Storage</a:t>
-            </a:r>
-          </a:p>
-          <a:p>
-            <a:pPr algn="ctr"/>
-            <a:r>
-              <a:rPr lang="en-GB" sz="1600" dirty="0" smtClean="0">
-                <a:solidFill>
-                  <a:schemeClr val="tx1"/>
-                </a:solidFill>
-              </a:rPr>
-              <a:t>Hardware Resources</a:t>
-            </a:r>
-            <a:endParaRPr lang="en-GB" sz="1600" dirty="0">
-              <a:solidFill>
-                <a:schemeClr val="tx1"/>
-              </a:solidFill>
-            </a:endParaRPr>
-          </a:p>
-        </p:txBody>
-      </p:sp>
-      <p:grpSp>
-        <p:nvGrpSpPr>
-          <p:cNvPr id="15" name="Group 14"/>
-          <p:cNvGrpSpPr/>
-          <p:nvPr/>
-        </p:nvGrpSpPr>
-        <p:grpSpPr>
-          <a:xfrm>
-            <a:off x="3353324" y="5101002"/>
-            <a:ext cx="2249992" cy="346755"/>
-            <a:chOff x="4558987" y="5907297"/>
-            <a:chExt cx="2249992" cy="346755"/>
-          </a:xfrm>
-        </p:grpSpPr>
-        <p:sp>
-          <p:nvSpPr>
-            <p:cNvPr id="13" name="Rounded Rectangle 12"/>
-            <p:cNvSpPr/>
-            <p:nvPr/>
-          </p:nvSpPr>
-          <p:spPr>
-            <a:xfrm>
-              <a:off x="4558987" y="5907297"/>
-              <a:ext cx="2249992" cy="346755"/>
-            </a:xfrm>
-            <a:prstGeom prst="roundRect">
-              <a:avLst/>
-            </a:prstGeom>
-            <a:solidFill>
-              <a:srgbClr val="939393"/>
-            </a:solidFill>
-            <a:ln>
-              <a:noFill/>
-            </a:ln>
-          </p:spPr>
-          <p:style>
-            <a:lnRef idx="2">
-              <a:schemeClr val="accent1">
-                <a:shade val="50000"/>
-              </a:schemeClr>
-            </a:lnRef>
-            <a:fillRef idx="1">
-              <a:schemeClr val="accent1"/>
-            </a:fillRef>
-            <a:effectRef idx="0">
-              <a:schemeClr val="accent1"/>
-            </a:effectRef>
-            <a:fontRef idx="minor">
-              <a:schemeClr val="lt1"/>
-            </a:fontRef>
-          </p:style>
-          <p:txBody>
-            <a:bodyPr rtlCol="0" anchor="ctr"/>
-            <a:lstStyle/>
-            <a:p>
-              <a:pPr algn="ctr"/>
-              <a:endParaRPr lang="en-GB"/>
-            </a:p>
-          </p:txBody>
-        </p:sp>
-        <p:pic>
-          <p:nvPicPr>
-            <p:cNvPr id="12" name="Picture 11"/>
-            <p:cNvPicPr>
-              <a:picLocks noChangeAspect="1"/>
-            </p:cNvPicPr>
-            <p:nvPr/>
-          </p:nvPicPr>
-          <p:blipFill>
-            <a:blip r:embed="rId3" cstate="print">
-              <a:extLst>
-                <a:ext uri="{28A0092B-C50C-407E-A947-70E740481C1C}">
-                  <a14:useLocalDpi xmlns:a14="http://schemas.microsoft.com/office/drawing/2010/main" val="0"/>
-                </a:ext>
-              </a:extLst>
-            </a:blip>
-            <a:stretch>
-              <a:fillRect/>
-            </a:stretch>
-          </p:blipFill>
-          <p:spPr>
-            <a:xfrm>
-              <a:off x="4629175" y="5947454"/>
-              <a:ext cx="275255" cy="275255"/>
-            </a:xfrm>
-            <a:prstGeom prst="rect">
-              <a:avLst/>
-            </a:prstGeom>
-          </p:spPr>
-        </p:pic>
-        <p:sp>
-          <p:nvSpPr>
-            <p:cNvPr id="14" name="Rectangle 13"/>
-            <p:cNvSpPr/>
-            <p:nvPr/>
-          </p:nvSpPr>
-          <p:spPr>
-            <a:xfrm>
-              <a:off x="4913378" y="5931510"/>
-              <a:ext cx="1877502" cy="307777"/>
-            </a:xfrm>
-            <a:prstGeom prst="rect">
-              <a:avLst/>
-            </a:prstGeom>
-          </p:spPr>
-          <p:txBody>
-            <a:bodyPr wrap="none">
-              <a:spAutoFit/>
-            </a:bodyPr>
-            <a:lstStyle/>
-            <a:p>
-              <a:pPr algn="ctr"/>
-              <a:r>
-                <a:rPr lang="en-GB" sz="1400" dirty="0"/>
-                <a:t>NFVI </a:t>
-              </a:r>
-              <a:r>
-                <a:rPr lang="en-GB" sz="1400" dirty="0" smtClean="0"/>
-                <a:t>HW </a:t>
-              </a:r>
-              <a:r>
-                <a:rPr lang="en-GB" sz="1400" dirty="0"/>
-                <a:t>Configuration</a:t>
-              </a:r>
-            </a:p>
-          </p:txBody>
-        </p:sp>
-      </p:grpSp>
-      <p:grpSp>
-        <p:nvGrpSpPr>
-          <p:cNvPr id="20" name="Group 19"/>
-          <p:cNvGrpSpPr/>
-          <p:nvPr/>
-        </p:nvGrpSpPr>
-        <p:grpSpPr>
-          <a:xfrm>
-            <a:off x="3198179" y="3959380"/>
-            <a:ext cx="1860498" cy="437879"/>
-            <a:chOff x="1229066" y="5715000"/>
-            <a:chExt cx="1860498" cy="437879"/>
-          </a:xfrm>
-        </p:grpSpPr>
-        <p:pic>
-          <p:nvPicPr>
-            <p:cNvPr id="17" name="Picture 16"/>
-            <p:cNvPicPr>
-              <a:picLocks noChangeAspect="1"/>
-            </p:cNvPicPr>
-            <p:nvPr/>
-          </p:nvPicPr>
-          <p:blipFill rotWithShape="1">
-            <a:blip r:embed="rId4" cstate="print">
-              <a:extLst>
-                <a:ext uri="{28A0092B-C50C-407E-A947-70E740481C1C}">
-                  <a14:useLocalDpi xmlns:a14="http://schemas.microsoft.com/office/drawing/2010/main" val="0"/>
-                </a:ext>
-              </a:extLst>
-            </a:blip>
-            <a:srcRect t="30354" b="31218"/>
-            <a:stretch/>
-          </p:blipFill>
-          <p:spPr>
-            <a:xfrm>
-              <a:off x="1229066" y="5715000"/>
-              <a:ext cx="1860498" cy="437879"/>
-            </a:xfrm>
-            <a:prstGeom prst="rect">
-              <a:avLst/>
-            </a:prstGeom>
-          </p:spPr>
-        </p:pic>
-        <p:sp>
-          <p:nvSpPr>
-            <p:cNvPr id="18" name="Rectangle 17"/>
-            <p:cNvSpPr/>
-            <p:nvPr/>
-          </p:nvSpPr>
-          <p:spPr>
-            <a:xfrm>
-              <a:off x="1308657" y="5795439"/>
-              <a:ext cx="1582813" cy="276999"/>
-            </a:xfrm>
-            <a:prstGeom prst="rect">
-              <a:avLst/>
-            </a:prstGeom>
-          </p:spPr>
-          <p:txBody>
-            <a:bodyPr wrap="square">
-              <a:spAutoFit/>
-            </a:bodyPr>
-            <a:lstStyle/>
-            <a:p>
-              <a:pPr algn="ctr"/>
-              <a:r>
-                <a:rPr lang="en-GB" sz="1200" dirty="0">
-                  <a:solidFill>
-                    <a:schemeClr val="bg1"/>
-                  </a:solidFill>
-                </a:rPr>
-                <a:t>NFVI </a:t>
-              </a:r>
-              <a:r>
-                <a:rPr lang="en-GB" sz="1200" dirty="0" smtClean="0">
-                  <a:solidFill>
-                    <a:schemeClr val="bg1"/>
-                  </a:solidFill>
-                </a:rPr>
-                <a:t>HW </a:t>
-              </a:r>
-              <a:r>
-                <a:rPr lang="en-GB" sz="1200" dirty="0">
-                  <a:solidFill>
-                    <a:schemeClr val="bg1"/>
-                  </a:solidFill>
-                </a:rPr>
-                <a:t>Profile</a:t>
-              </a:r>
-            </a:p>
-          </p:txBody>
-        </p:sp>
-      </p:grpSp>
-      <p:pic>
-        <p:nvPicPr>
-          <p:cNvPr id="7" name="Picture 6"/>
-          <p:cNvPicPr>
-            <a:picLocks noChangeAspect="1"/>
-          </p:cNvPicPr>
-          <p:nvPr/>
-        </p:nvPicPr>
-        <p:blipFill rotWithShape="1">
-          <a:blip r:embed="rId5" cstate="print">
-            <a:extLst>
-              <a:ext uri="{28A0092B-C50C-407E-A947-70E740481C1C}">
-                <a14:useLocalDpi xmlns:a14="http://schemas.microsoft.com/office/drawing/2010/main" val="0"/>
-              </a:ext>
-            </a:extLst>
-          </a:blip>
-          <a:srcRect l="31336" t="10894" r="31336" b="13116"/>
-          <a:stretch/>
-        </p:blipFill>
-        <p:spPr>
-          <a:xfrm>
-            <a:off x="6344762" y="4517447"/>
-            <a:ext cx="299604" cy="609907"/>
-          </a:xfrm>
-          <a:prstGeom prst="rect">
-            <a:avLst/>
-          </a:prstGeom>
-        </p:spPr>
-      </p:pic>
-      <p:sp>
-        <p:nvSpPr>
-          <p:cNvPr id="8" name="TextBox 7"/>
-          <p:cNvSpPr txBox="1"/>
-          <p:nvPr/>
-        </p:nvSpPr>
-        <p:spPr>
-          <a:xfrm>
-            <a:off x="6191013" y="5160526"/>
-            <a:ext cx="595035" cy="215444"/>
-          </a:xfrm>
-          <a:prstGeom prst="rect">
-            <a:avLst/>
-          </a:prstGeom>
-          <a:noFill/>
-        </p:spPr>
-        <p:txBody>
-          <a:bodyPr wrap="none" rtlCol="0">
-            <a:spAutoFit/>
-          </a:bodyPr>
-          <a:lstStyle/>
-          <a:p>
-            <a:pPr algn="ctr"/>
-            <a:r>
-              <a:rPr lang="en-GB" sz="800" b="1" dirty="0" smtClean="0"/>
-              <a:t>Compute</a:t>
-            </a:r>
-            <a:endParaRPr lang="en-GB" sz="800" b="1" dirty="0"/>
-          </a:p>
-        </p:txBody>
-      </p:sp>
-      <p:sp>
-        <p:nvSpPr>
-          <p:cNvPr id="55" name="TextBox 54"/>
-          <p:cNvSpPr txBox="1"/>
-          <p:nvPr/>
-        </p:nvSpPr>
-        <p:spPr>
-          <a:xfrm>
-            <a:off x="8010297" y="5160526"/>
-            <a:ext cx="510076" cy="215444"/>
-          </a:xfrm>
-          <a:prstGeom prst="rect">
-            <a:avLst/>
-          </a:prstGeom>
-          <a:noFill/>
-        </p:spPr>
-        <p:txBody>
-          <a:bodyPr wrap="none" rtlCol="0">
-            <a:spAutoFit/>
-          </a:bodyPr>
-          <a:lstStyle/>
-          <a:p>
-            <a:pPr algn="ctr"/>
-            <a:r>
-              <a:rPr lang="en-GB" sz="800" b="1" dirty="0" smtClean="0"/>
-              <a:t>Storage</a:t>
-            </a:r>
-            <a:endParaRPr lang="en-GB" sz="800" b="1" dirty="0"/>
-          </a:p>
-        </p:txBody>
-      </p:sp>
-      <p:pic>
-        <p:nvPicPr>
-          <p:cNvPr id="22" name="Picture 21"/>
-          <p:cNvPicPr>
-            <a:picLocks noChangeAspect="1"/>
-          </p:cNvPicPr>
-          <p:nvPr/>
-        </p:nvPicPr>
-        <p:blipFill>
-          <a:blip r:embed="rId6" cstate="print">
-            <a:extLst>
-              <a:ext uri="{28A0092B-C50C-407E-A947-70E740481C1C}">
-                <a14:useLocalDpi xmlns:a14="http://schemas.microsoft.com/office/drawing/2010/main" val="0"/>
-              </a:ext>
-            </a:extLst>
-          </a:blip>
-          <a:stretch>
-            <a:fillRect/>
-          </a:stretch>
-        </p:blipFill>
-        <p:spPr>
-          <a:xfrm>
-            <a:off x="8015098" y="4565288"/>
-            <a:ext cx="452568" cy="500300"/>
-          </a:xfrm>
-          <a:prstGeom prst="rect">
-            <a:avLst/>
-          </a:prstGeom>
-        </p:spPr>
-      </p:pic>
-      <p:pic>
-        <p:nvPicPr>
-          <p:cNvPr id="23" name="Picture 22"/>
-          <p:cNvPicPr>
-            <a:picLocks noChangeAspect="1"/>
-          </p:cNvPicPr>
-          <p:nvPr/>
-        </p:nvPicPr>
-        <p:blipFill rotWithShape="1">
-          <a:blip r:embed="rId7" cstate="print">
-            <a:extLst>
-              <a:ext uri="{28A0092B-C50C-407E-A947-70E740481C1C}">
-                <a14:useLocalDpi xmlns:a14="http://schemas.microsoft.com/office/drawing/2010/main" val="0"/>
-              </a:ext>
-            </a:extLst>
-          </a:blip>
-          <a:srcRect l="19333" r="26500"/>
-          <a:stretch/>
-        </p:blipFill>
-        <p:spPr>
-          <a:xfrm>
-            <a:off x="7077462" y="4491095"/>
-            <a:ext cx="644719" cy="648687"/>
-          </a:xfrm>
-          <a:prstGeom prst="rect">
-            <a:avLst/>
-          </a:prstGeom>
-        </p:spPr>
-      </p:pic>
-      <p:sp>
-        <p:nvSpPr>
-          <p:cNvPr id="58" name="TextBox 57"/>
-          <p:cNvSpPr txBox="1"/>
-          <p:nvPr/>
-        </p:nvSpPr>
-        <p:spPr>
-          <a:xfrm>
-            <a:off x="7116151" y="5163408"/>
-            <a:ext cx="556563" cy="215444"/>
-          </a:xfrm>
-          <a:prstGeom prst="rect">
-            <a:avLst/>
-          </a:prstGeom>
-          <a:noFill/>
-        </p:spPr>
-        <p:txBody>
-          <a:bodyPr wrap="none" rtlCol="0">
-            <a:spAutoFit/>
-          </a:bodyPr>
-          <a:lstStyle/>
-          <a:p>
-            <a:pPr algn="ctr"/>
-            <a:r>
-              <a:rPr lang="en-GB" sz="800" b="1" dirty="0" smtClean="0"/>
-              <a:t>Network</a:t>
-            </a:r>
-            <a:endParaRPr lang="en-GB" sz="800" b="1" dirty="0"/>
-          </a:p>
-        </p:txBody>
-      </p:sp>
-      <p:grpSp>
-        <p:nvGrpSpPr>
-          <p:cNvPr id="40" name="Group 39"/>
-          <p:cNvGrpSpPr/>
-          <p:nvPr/>
-        </p:nvGrpSpPr>
-        <p:grpSpPr>
-          <a:xfrm>
-            <a:off x="9115686" y="4285838"/>
-            <a:ext cx="1149674" cy="1188641"/>
-            <a:chOff x="9196327" y="3940952"/>
-            <a:chExt cx="1149674" cy="1188641"/>
-          </a:xfrm>
-        </p:grpSpPr>
-        <p:sp>
-          <p:nvSpPr>
-            <p:cNvPr id="35" name="Rounded Rectangle 34"/>
-            <p:cNvSpPr/>
-            <p:nvPr/>
-          </p:nvSpPr>
-          <p:spPr>
-            <a:xfrm>
-              <a:off x="9199804" y="3940952"/>
-              <a:ext cx="1090246" cy="1188641"/>
-            </a:xfrm>
-            <a:prstGeom prst="roundRect">
-              <a:avLst/>
-            </a:prstGeom>
-            <a:solidFill>
-              <a:schemeClr val="tx1"/>
-            </a:solidFill>
-            <a:ln w="28575">
-              <a:solidFill>
-                <a:schemeClr val="tx1"/>
-              </a:solidFill>
-            </a:ln>
-          </p:spPr>
-          <p:style>
-            <a:lnRef idx="2">
-              <a:schemeClr val="accent1">
-                <a:shade val="50000"/>
-              </a:schemeClr>
-            </a:lnRef>
-            <a:fillRef idx="1">
-              <a:schemeClr val="accent1"/>
-            </a:fillRef>
-            <a:effectRef idx="0">
-              <a:schemeClr val="accent1"/>
-            </a:effectRef>
-            <a:fontRef idx="minor">
-              <a:schemeClr val="lt1"/>
-            </a:fontRef>
-          </p:style>
-          <p:txBody>
-            <a:bodyPr rtlCol="0" anchor="ctr"/>
-            <a:lstStyle/>
-            <a:p>
-              <a:pPr algn="ctr"/>
-              <a:endParaRPr lang="en-GB"/>
-            </a:p>
-          </p:txBody>
-        </p:sp>
-        <p:sp>
-          <p:nvSpPr>
-            <p:cNvPr id="37" name="TextBox 36"/>
-            <p:cNvSpPr txBox="1"/>
-            <p:nvPr/>
-          </p:nvSpPr>
-          <p:spPr>
-            <a:xfrm>
-              <a:off x="9196327" y="4288289"/>
-              <a:ext cx="1149674" cy="553998"/>
-            </a:xfrm>
-            <a:prstGeom prst="rect">
-              <a:avLst/>
-            </a:prstGeom>
-            <a:noFill/>
-          </p:spPr>
-          <p:txBody>
-            <a:bodyPr wrap="none" rtlCol="0">
-              <a:spAutoFit/>
-            </a:bodyPr>
-            <a:lstStyle/>
-            <a:p>
-              <a:pPr algn="ctr"/>
-              <a:r>
-                <a:rPr lang="en-GB" sz="1000" dirty="0" smtClean="0">
-                  <a:solidFill>
-                    <a:schemeClr val="bg1"/>
-                  </a:solidFill>
-                </a:rPr>
-                <a:t>Physical </a:t>
-              </a:r>
-            </a:p>
-            <a:p>
-              <a:pPr algn="ctr"/>
-              <a:r>
-                <a:rPr lang="en-GB" sz="1000" dirty="0" smtClean="0">
-                  <a:solidFill>
-                    <a:schemeClr val="bg1"/>
-                  </a:solidFill>
-                </a:rPr>
-                <a:t>Network Function </a:t>
-              </a:r>
-            </a:p>
-            <a:p>
-              <a:pPr algn="ctr"/>
-              <a:r>
-                <a:rPr lang="en-GB" sz="1000" dirty="0" smtClean="0">
-                  <a:solidFill>
-                    <a:schemeClr val="bg1"/>
-                  </a:solidFill>
-                </a:rPr>
-                <a:t>(</a:t>
-              </a:r>
-              <a:r>
-                <a:rPr lang="en-GB" sz="1000" b="1" dirty="0" smtClean="0">
-                  <a:solidFill>
-                    <a:schemeClr val="bg1"/>
-                  </a:solidFill>
-                </a:rPr>
-                <a:t>PNF</a:t>
-              </a:r>
-              <a:r>
-                <a:rPr lang="en-GB" sz="1000" dirty="0" smtClean="0">
-                  <a:solidFill>
-                    <a:schemeClr val="bg1"/>
-                  </a:solidFill>
-                </a:rPr>
-                <a:t>)</a:t>
-              </a:r>
-              <a:endParaRPr lang="en-GB" sz="1000" dirty="0">
-                <a:solidFill>
-                  <a:schemeClr val="bg1"/>
-                </a:solidFill>
-              </a:endParaRPr>
-            </a:p>
-          </p:txBody>
-        </p:sp>
-      </p:grpSp>
-    </p:spTree>
-    <p:extLst>
-      <p:ext uri="{BB962C8B-B14F-4D97-AF65-F5344CB8AC3E}">
-        <p14:creationId xmlns:p14="http://schemas.microsoft.com/office/powerpoint/2010/main" val="3245011206"/>
-      </p:ext>
-    </p:extLst>
-  </p:cSld>
-  <p:clrMapOvr>
-    <a:masterClrMapping/>
-  </p:clrMapOvr>
-  <p:timing>
-    <p:tnLst>
-      <p:par>
-        <p:cTn id="1" dur="indefinite" restart="never" nodeType="tmRoot"/>
-      </p:par>
-    </p:tnLst>
-  </p:timing>
-</p:sld>
-</file>
-
-<file path=ppt/slides/slide18.xml><?xml version="1.0" encoding="utf-8"?>
 <p:sld xmlns:a="http://schemas.openxmlformats.org/drawingml/2006/main" xmlns:r="http://schemas.openxmlformats.org/officeDocument/2006/relationships" xmlns:p="http://schemas.openxmlformats.org/presentationml/2006/main">
   <p:cSld>
     <p:spTree>
